--- a/201805/JAVA 基础介绍20180605.pptx
+++ b/201805/JAVA 基础介绍20180605.pptx
@@ -5,7 +5,7 @@
     <p:sldMasterId id="2147483648" r:id="rId1"/>
   </p:sldMasterIdLst>
   <p:notesMasterIdLst>
-    <p:notesMasterId r:id="rId32"/>
+    <p:notesMasterId r:id="rId33"/>
   </p:notesMasterIdLst>
   <p:sldIdLst>
     <p:sldId id="277" r:id="rId2"/>
@@ -20,24 +20,25 @@
     <p:sldId id="281" r:id="rId11"/>
     <p:sldId id="285" r:id="rId12"/>
     <p:sldId id="286" r:id="rId13"/>
-    <p:sldId id="265" r:id="rId14"/>
-    <p:sldId id="282" r:id="rId15"/>
-    <p:sldId id="287" r:id="rId16"/>
-    <p:sldId id="288" r:id="rId17"/>
-    <p:sldId id="289" r:id="rId18"/>
-    <p:sldId id="290" r:id="rId19"/>
-    <p:sldId id="291" r:id="rId20"/>
-    <p:sldId id="292" r:id="rId21"/>
-    <p:sldId id="293" r:id="rId22"/>
-    <p:sldId id="294" r:id="rId23"/>
-    <p:sldId id="295" r:id="rId24"/>
-    <p:sldId id="296" r:id="rId25"/>
-    <p:sldId id="297" r:id="rId26"/>
-    <p:sldId id="298" r:id="rId27"/>
-    <p:sldId id="299" r:id="rId28"/>
-    <p:sldId id="300" r:id="rId29"/>
-    <p:sldId id="302" r:id="rId30"/>
-    <p:sldId id="269" r:id="rId31"/>
+    <p:sldId id="303" r:id="rId14"/>
+    <p:sldId id="265" r:id="rId15"/>
+    <p:sldId id="282" r:id="rId16"/>
+    <p:sldId id="287" r:id="rId17"/>
+    <p:sldId id="288" r:id="rId18"/>
+    <p:sldId id="289" r:id="rId19"/>
+    <p:sldId id="290" r:id="rId20"/>
+    <p:sldId id="291" r:id="rId21"/>
+    <p:sldId id="292" r:id="rId22"/>
+    <p:sldId id="293" r:id="rId23"/>
+    <p:sldId id="294" r:id="rId24"/>
+    <p:sldId id="295" r:id="rId25"/>
+    <p:sldId id="296" r:id="rId26"/>
+    <p:sldId id="297" r:id="rId27"/>
+    <p:sldId id="298" r:id="rId28"/>
+    <p:sldId id="299" r:id="rId29"/>
+    <p:sldId id="300" r:id="rId30"/>
+    <p:sldId id="302" r:id="rId31"/>
+    <p:sldId id="269" r:id="rId32"/>
   </p:sldIdLst>
   <p:sldSz cx="12192000" cy="6858000"/>
   <p:notesSz cx="6858000" cy="9144000"/>
@@ -826,7 +827,7 @@
           <a:p>
             <a:fld id="{11532156-F9B5-41E3-ADB7-D297B9458FA2}" type="slidenum">
               <a:rPr lang="en-US" smtClean="0"/>
-              <a:t>13</a:t>
+              <a:t>14</a:t>
             </a:fld>
             <a:endParaRPr lang="en-US"/>
           </a:p>
@@ -922,7 +923,7 @@
           <a:p>
             <a:fld id="{11532156-F9B5-41E3-ADB7-D297B9458FA2}" type="slidenum">
               <a:rPr lang="en-US" smtClean="0"/>
-              <a:t>14</a:t>
+              <a:t>15</a:t>
             </a:fld>
             <a:endParaRPr lang="en-US"/>
           </a:p>
@@ -1018,7 +1019,7 @@
           <a:p>
             <a:fld id="{11532156-F9B5-41E3-ADB7-D297B9458FA2}" type="slidenum">
               <a:rPr lang="en-US" smtClean="0"/>
-              <a:t>21</a:t>
+              <a:t>22</a:t>
             </a:fld>
             <a:endParaRPr lang="en-US"/>
           </a:p>
@@ -11016,16 +11017,12 @@
           <a:lstStyle/>
           <a:p>
             <a:r>
-              <a:rPr lang="zh-CN" altLang="en-US" dirty="0"/>
-              <a:t>贴入</a:t>
-            </a:r>
-            <a:r>
               <a:rPr lang="en-US" altLang="zh-CN" dirty="0"/>
               <a:t>maven</a:t>
             </a:r>
             <a:r>
               <a:rPr lang="zh-CN" altLang="en-US" dirty="0"/>
-              <a:t>的两种配置文件</a:t>
+              <a:t>的两种配置文件截图</a:t>
             </a:r>
             <a:endParaRPr lang="en-US" dirty="0"/>
           </a:p>
@@ -11109,7 +11106,7 @@
           <a:p>
             <a:r>
               <a:rPr lang="zh-CN" altLang="en-US" dirty="0"/>
-              <a:t>贴入配置</a:t>
+              <a:t>配置</a:t>
             </a:r>
             <a:r>
               <a:rPr lang="en-US" altLang="zh-CN" dirty="0"/>
@@ -11117,7 +11114,7 @@
             </a:r>
             <a:r>
               <a:rPr lang="zh-CN" altLang="en-US" dirty="0"/>
-              <a:t>的过程</a:t>
+              <a:t>的过程截图</a:t>
             </a:r>
             <a:endParaRPr lang="en-US" dirty="0"/>
           </a:p>
@@ -11162,6 +11159,124 @@
 </file>
 
 <file path=ppt/slides/slide13.xml><?xml version="1.0" encoding="utf-8"?>
+<p:sld xmlns:a="http://schemas.openxmlformats.org/drawingml/2006/main" xmlns:r="http://schemas.openxmlformats.org/officeDocument/2006/relationships" xmlns:p="http://schemas.openxmlformats.org/presentationml/2006/main">
+  <p:cSld>
+    <p:spTree>
+      <p:nvGrpSpPr>
+        <p:cNvPr id="1" name=""/>
+        <p:cNvGrpSpPr/>
+        <p:nvPr/>
+      </p:nvGrpSpPr>
+      <p:grpSpPr>
+        <a:xfrm>
+          <a:off x="0" y="0"/>
+          <a:ext cx="0" cy="0"/>
+          <a:chOff x="0" y="0"/>
+          <a:chExt cx="0" cy="0"/>
+        </a:xfrm>
+      </p:grpSpPr>
+      <p:sp>
+        <p:nvSpPr>
+          <p:cNvPr id="2" name="Title 1">
+            <a:extLst>
+              <a:ext uri="{FF2B5EF4-FFF2-40B4-BE49-F238E27FC236}">
+                <a16:creationId xmlns:a16="http://schemas.microsoft.com/office/drawing/2014/main" id="{C744DD81-03BE-477C-B962-18EFCB07368F}"/>
+              </a:ext>
+            </a:extLst>
+          </p:cNvPr>
+          <p:cNvSpPr>
+            <a:spLocks noGrp="1"/>
+          </p:cNvSpPr>
+          <p:nvPr>
+            <p:ph type="title"/>
+          </p:nvPr>
+        </p:nvSpPr>
+        <p:spPr/>
+        <p:txBody>
+          <a:bodyPr/>
+          <a:lstStyle/>
+          <a:p>
+            <a:r>
+              <a:rPr lang="en-US" altLang="zh-CN" dirty="0"/>
+              <a:t>Idea </a:t>
+            </a:r>
+            <a:r>
+              <a:rPr lang="zh-CN" altLang="en-US" dirty="0"/>
+              <a:t>插件安装和推荐</a:t>
+            </a:r>
+            <a:endParaRPr lang="en-US" dirty="0"/>
+          </a:p>
+        </p:txBody>
+      </p:sp>
+      <p:sp>
+        <p:nvSpPr>
+          <p:cNvPr id="3" name="Content Placeholder 2">
+            <a:extLst>
+              <a:ext uri="{FF2B5EF4-FFF2-40B4-BE49-F238E27FC236}">
+                <a16:creationId xmlns:a16="http://schemas.microsoft.com/office/drawing/2014/main" id="{5E1EBA11-3146-41DD-AEF3-1D340EC698C3}"/>
+              </a:ext>
+            </a:extLst>
+          </p:cNvPr>
+          <p:cNvSpPr>
+            <a:spLocks noGrp="1"/>
+          </p:cNvSpPr>
+          <p:nvPr>
+            <p:ph idx="1"/>
+          </p:nvPr>
+        </p:nvSpPr>
+        <p:spPr/>
+        <p:txBody>
+          <a:bodyPr/>
+          <a:lstStyle/>
+          <a:p>
+            <a:r>
+              <a:rPr lang="en-US" dirty="0"/>
+              <a:t>Key</a:t>
+            </a:r>
+            <a:r>
+              <a:rPr lang="zh-CN" altLang="en-US" dirty="0"/>
+              <a:t> </a:t>
+            </a:r>
+            <a:r>
+              <a:rPr lang="en-US" altLang="zh-CN" dirty="0"/>
+              <a:t>promotor</a:t>
+            </a:r>
+          </a:p>
+          <a:p>
+            <a:r>
+              <a:rPr lang="en-US" dirty="0"/>
+              <a:t>Grep console</a:t>
+            </a:r>
+          </a:p>
+          <a:p>
+            <a:r>
+              <a:rPr lang="en-US" dirty="0"/>
+              <a:t>Maven helper</a:t>
+            </a:r>
+          </a:p>
+          <a:p>
+            <a:r>
+              <a:rPr lang="en-US" dirty="0" err="1"/>
+              <a:t>findbugs</a:t>
+            </a:r>
+            <a:endParaRPr lang="en-US" dirty="0"/>
+          </a:p>
+        </p:txBody>
+      </p:sp>
+    </p:spTree>
+    <p:extLst>
+      <p:ext uri="{BB962C8B-B14F-4D97-AF65-F5344CB8AC3E}">
+        <p14:creationId xmlns:p14="http://schemas.microsoft.com/office/powerpoint/2010/main" val="1246618051"/>
+      </p:ext>
+    </p:extLst>
+  </p:cSld>
+  <p:clrMapOvr>
+    <a:masterClrMapping/>
+  </p:clrMapOvr>
+</p:sld>
+</file>
+
+<file path=ppt/slides/slide14.xml><?xml version="1.0" encoding="utf-8"?>
 <p:sld xmlns:a="http://schemas.openxmlformats.org/drawingml/2006/main" xmlns:r="http://schemas.openxmlformats.org/officeDocument/2006/relationships" xmlns:p="http://schemas.openxmlformats.org/presentationml/2006/main">
   <p:cSld>
     <p:spTree>
@@ -11344,7 +11459,7 @@
 </p:sld>
 </file>
 
-<file path=ppt/slides/slide14.xml><?xml version="1.0" encoding="utf-8"?>
+<file path=ppt/slides/slide15.xml><?xml version="1.0" encoding="utf-8"?>
 <p:sld xmlns:a="http://schemas.openxmlformats.org/drawingml/2006/main" xmlns:r="http://schemas.openxmlformats.org/officeDocument/2006/relationships" xmlns:p="http://schemas.openxmlformats.org/presentationml/2006/main">
   <p:cSld>
     <p:spTree>
@@ -11692,90 +11807,6 @@
 </p:sld>
 </file>
 
-<file path=ppt/slides/slide15.xml><?xml version="1.0" encoding="utf-8"?>
-<p:sld xmlns:a="http://schemas.openxmlformats.org/drawingml/2006/main" xmlns:r="http://schemas.openxmlformats.org/officeDocument/2006/relationships" xmlns:p="http://schemas.openxmlformats.org/presentationml/2006/main">
-  <p:cSld>
-    <p:spTree>
-      <p:nvGrpSpPr>
-        <p:cNvPr id="1" name=""/>
-        <p:cNvGrpSpPr/>
-        <p:nvPr/>
-      </p:nvGrpSpPr>
-      <p:grpSpPr>
-        <a:xfrm>
-          <a:off x="0" y="0"/>
-          <a:ext cx="0" cy="0"/>
-          <a:chOff x="0" y="0"/>
-          <a:chExt cx="0" cy="0"/>
-        </a:xfrm>
-      </p:grpSpPr>
-      <p:sp>
-        <p:nvSpPr>
-          <p:cNvPr id="2" name="Title 1">
-            <a:extLst>
-              <a:ext uri="{FF2B5EF4-FFF2-40B4-BE49-F238E27FC236}">
-                <a16:creationId xmlns:a16="http://schemas.microsoft.com/office/drawing/2014/main" id="{693E6919-C02F-46A1-8A89-DBD8A0DB790A}"/>
-              </a:ext>
-            </a:extLst>
-          </p:cNvPr>
-          <p:cNvSpPr>
-            <a:spLocks noGrp="1"/>
-          </p:cNvSpPr>
-          <p:nvPr>
-            <p:ph type="title"/>
-          </p:nvPr>
-        </p:nvSpPr>
-        <p:spPr/>
-        <p:txBody>
-          <a:bodyPr/>
-          <a:lstStyle/>
-          <a:p>
-            <a:r>
-              <a:rPr lang="zh-CN" altLang="en-US" dirty="0"/>
-              <a:t>创建工程截图</a:t>
-            </a:r>
-            <a:endParaRPr lang="en-US" dirty="0"/>
-          </a:p>
-        </p:txBody>
-      </p:sp>
-      <p:sp>
-        <p:nvSpPr>
-          <p:cNvPr id="3" name="Content Placeholder 2">
-            <a:extLst>
-              <a:ext uri="{FF2B5EF4-FFF2-40B4-BE49-F238E27FC236}">
-                <a16:creationId xmlns:a16="http://schemas.microsoft.com/office/drawing/2014/main" id="{1D92761B-955E-4892-98BD-B97CE7CCAEA6}"/>
-              </a:ext>
-            </a:extLst>
-          </p:cNvPr>
-          <p:cNvSpPr>
-            <a:spLocks noGrp="1"/>
-          </p:cNvSpPr>
-          <p:nvPr>
-            <p:ph idx="1"/>
-          </p:nvPr>
-        </p:nvSpPr>
-        <p:spPr/>
-        <p:txBody>
-          <a:bodyPr/>
-          <a:lstStyle/>
-          <a:p>
-            <a:endParaRPr lang="en-US" dirty="0"/>
-          </a:p>
-        </p:txBody>
-      </p:sp>
-    </p:spTree>
-    <p:extLst>
-      <p:ext uri="{BB962C8B-B14F-4D97-AF65-F5344CB8AC3E}">
-        <p14:creationId xmlns:p14="http://schemas.microsoft.com/office/powerpoint/2010/main" val="2859757319"/>
-      </p:ext>
-    </p:extLst>
-  </p:cSld>
-  <p:clrMapOvr>
-    <a:masterClrMapping/>
-  </p:clrMapOvr>
-</p:sld>
-</file>
-
 <file path=ppt/slides/slide16.xml><?xml version="1.0" encoding="utf-8"?>
 <p:sld xmlns:a="http://schemas.openxmlformats.org/drawingml/2006/main" xmlns:r="http://schemas.openxmlformats.org/officeDocument/2006/relationships" xmlns:p="http://schemas.openxmlformats.org/presentationml/2006/main">
   <p:cSld>
@@ -11816,7 +11847,7 @@
           <a:p>
             <a:r>
               <a:rPr lang="zh-CN" altLang="en-US" dirty="0"/>
-              <a:t>配置依赖截图</a:t>
+              <a:t>创建工程截图</a:t>
             </a:r>
             <a:endParaRPr lang="en-US" dirty="0"/>
           </a:p>
@@ -11843,14 +11874,14 @@
           <a:bodyPr/>
           <a:lstStyle/>
           <a:p>
-            <a:endParaRPr lang="en-US"/>
+            <a:endParaRPr lang="en-US" dirty="0"/>
           </a:p>
         </p:txBody>
       </p:sp>
     </p:spTree>
     <p:extLst>
       <p:ext uri="{BB962C8B-B14F-4D97-AF65-F5344CB8AC3E}">
-        <p14:creationId xmlns:p14="http://schemas.microsoft.com/office/powerpoint/2010/main" val="1390151968"/>
+        <p14:creationId xmlns:p14="http://schemas.microsoft.com/office/powerpoint/2010/main" val="2859757319"/>
       </p:ext>
     </p:extLst>
   </p:cSld>
@@ -11900,7 +11931,7 @@
           <a:p>
             <a:r>
               <a:rPr lang="zh-CN" altLang="en-US" dirty="0"/>
-              <a:t>新建启动类截图</a:t>
+              <a:t>配置依赖截图</a:t>
             </a:r>
             <a:endParaRPr lang="en-US" dirty="0"/>
           </a:p>
@@ -11934,7 +11965,7 @@
     </p:spTree>
     <p:extLst>
       <p:ext uri="{BB962C8B-B14F-4D97-AF65-F5344CB8AC3E}">
-        <p14:creationId xmlns:p14="http://schemas.microsoft.com/office/powerpoint/2010/main" val="150212915"/>
+        <p14:creationId xmlns:p14="http://schemas.microsoft.com/office/powerpoint/2010/main" val="1390151968"/>
       </p:ext>
     </p:extLst>
   </p:cSld>
@@ -11984,15 +12015,7 @@
           <a:p>
             <a:r>
               <a:rPr lang="zh-CN" altLang="en-US" dirty="0"/>
-              <a:t>新建</a:t>
-            </a:r>
-            <a:r>
-              <a:rPr lang="en-US" altLang="zh-CN" dirty="0"/>
-              <a:t>Controller</a:t>
-            </a:r>
-            <a:r>
-              <a:rPr lang="zh-CN" altLang="en-US" dirty="0"/>
-              <a:t>截图</a:t>
+              <a:t>新建启动类截图</a:t>
             </a:r>
             <a:endParaRPr lang="en-US" dirty="0"/>
           </a:p>
@@ -12026,7 +12049,7 @@
     </p:spTree>
     <p:extLst>
       <p:ext uri="{BB962C8B-B14F-4D97-AF65-F5344CB8AC3E}">
-        <p14:creationId xmlns:p14="http://schemas.microsoft.com/office/powerpoint/2010/main" val="1380125890"/>
+        <p14:creationId xmlns:p14="http://schemas.microsoft.com/office/powerpoint/2010/main" val="150212915"/>
       </p:ext>
     </p:extLst>
   </p:cSld>
@@ -12076,7 +12099,15 @@
           <a:p>
             <a:r>
               <a:rPr lang="zh-CN" altLang="en-US" dirty="0"/>
-              <a:t>新建配置文件截图</a:t>
+              <a:t>新建</a:t>
+            </a:r>
+            <a:r>
+              <a:rPr lang="en-US" altLang="zh-CN" dirty="0"/>
+              <a:t>Controller</a:t>
+            </a:r>
+            <a:r>
+              <a:rPr lang="zh-CN" altLang="en-US" dirty="0"/>
+              <a:t>截图</a:t>
             </a:r>
             <a:endParaRPr lang="en-US" dirty="0"/>
           </a:p>
@@ -12110,7 +12141,7 @@
     </p:spTree>
     <p:extLst>
       <p:ext uri="{BB962C8B-B14F-4D97-AF65-F5344CB8AC3E}">
-        <p14:creationId xmlns:p14="http://schemas.microsoft.com/office/powerpoint/2010/main" val="2828857302"/>
+        <p14:creationId xmlns:p14="http://schemas.microsoft.com/office/powerpoint/2010/main" val="1380125890"/>
       </p:ext>
     </p:extLst>
   </p:cSld>
@@ -12340,7 +12371,7 @@
           <a:p>
             <a:r>
               <a:rPr lang="zh-CN" altLang="en-US" dirty="0"/>
-              <a:t>测试执行截图</a:t>
+              <a:t>新建配置文件截图</a:t>
             </a:r>
             <a:endParaRPr lang="en-US" dirty="0"/>
           </a:p>
@@ -12374,6 +12405,90 @@
     </p:spTree>
     <p:extLst>
       <p:ext uri="{BB962C8B-B14F-4D97-AF65-F5344CB8AC3E}">
+        <p14:creationId xmlns:p14="http://schemas.microsoft.com/office/powerpoint/2010/main" val="2828857302"/>
+      </p:ext>
+    </p:extLst>
+  </p:cSld>
+  <p:clrMapOvr>
+    <a:masterClrMapping/>
+  </p:clrMapOvr>
+</p:sld>
+</file>
+
+<file path=ppt/slides/slide21.xml><?xml version="1.0" encoding="utf-8"?>
+<p:sld xmlns:a="http://schemas.openxmlformats.org/drawingml/2006/main" xmlns:r="http://schemas.openxmlformats.org/officeDocument/2006/relationships" xmlns:p="http://schemas.openxmlformats.org/presentationml/2006/main">
+  <p:cSld>
+    <p:spTree>
+      <p:nvGrpSpPr>
+        <p:cNvPr id="1" name=""/>
+        <p:cNvGrpSpPr/>
+        <p:nvPr/>
+      </p:nvGrpSpPr>
+      <p:grpSpPr>
+        <a:xfrm>
+          <a:off x="0" y="0"/>
+          <a:ext cx="0" cy="0"/>
+          <a:chOff x="0" y="0"/>
+          <a:chExt cx="0" cy="0"/>
+        </a:xfrm>
+      </p:grpSpPr>
+      <p:sp>
+        <p:nvSpPr>
+          <p:cNvPr id="2" name="Title 1">
+            <a:extLst>
+              <a:ext uri="{FF2B5EF4-FFF2-40B4-BE49-F238E27FC236}">
+                <a16:creationId xmlns:a16="http://schemas.microsoft.com/office/drawing/2014/main" id="{693E6919-C02F-46A1-8A89-DBD8A0DB790A}"/>
+              </a:ext>
+            </a:extLst>
+          </p:cNvPr>
+          <p:cNvSpPr>
+            <a:spLocks noGrp="1"/>
+          </p:cNvSpPr>
+          <p:nvPr>
+            <p:ph type="title"/>
+          </p:nvPr>
+        </p:nvSpPr>
+        <p:spPr/>
+        <p:txBody>
+          <a:bodyPr/>
+          <a:lstStyle/>
+          <a:p>
+            <a:r>
+              <a:rPr lang="zh-CN" altLang="en-US" dirty="0"/>
+              <a:t>测试执行截图</a:t>
+            </a:r>
+            <a:endParaRPr lang="en-US" dirty="0"/>
+          </a:p>
+        </p:txBody>
+      </p:sp>
+      <p:sp>
+        <p:nvSpPr>
+          <p:cNvPr id="3" name="Content Placeholder 2">
+            <a:extLst>
+              <a:ext uri="{FF2B5EF4-FFF2-40B4-BE49-F238E27FC236}">
+                <a16:creationId xmlns:a16="http://schemas.microsoft.com/office/drawing/2014/main" id="{1D92761B-955E-4892-98BD-B97CE7CCAEA6}"/>
+              </a:ext>
+            </a:extLst>
+          </p:cNvPr>
+          <p:cNvSpPr>
+            <a:spLocks noGrp="1"/>
+          </p:cNvSpPr>
+          <p:nvPr>
+            <p:ph idx="1"/>
+          </p:nvPr>
+        </p:nvSpPr>
+        <p:spPr/>
+        <p:txBody>
+          <a:bodyPr/>
+          <a:lstStyle/>
+          <a:p>
+            <a:endParaRPr lang="en-US"/>
+          </a:p>
+        </p:txBody>
+      </p:sp>
+    </p:spTree>
+    <p:extLst>
+      <p:ext uri="{BB962C8B-B14F-4D97-AF65-F5344CB8AC3E}">
         <p14:creationId xmlns:p14="http://schemas.microsoft.com/office/powerpoint/2010/main" val="2201283117"/>
       </p:ext>
     </p:extLst>
@@ -12384,7 +12499,7 @@
 </p:sld>
 </file>
 
-<file path=ppt/slides/slide21.xml><?xml version="1.0" encoding="utf-8"?>
+<file path=ppt/slides/slide22.xml><?xml version="1.0" encoding="utf-8"?>
 <p:sld xmlns:a="http://schemas.openxmlformats.org/drawingml/2006/main" xmlns:r="http://schemas.openxmlformats.org/officeDocument/2006/relationships" xmlns:p="http://schemas.openxmlformats.org/presentationml/2006/main">
   <p:cSld>
     <p:spTree>
@@ -12698,90 +12813,6 @@
 </p:sld>
 </file>
 
-<file path=ppt/slides/slide22.xml><?xml version="1.0" encoding="utf-8"?>
-<p:sld xmlns:a="http://schemas.openxmlformats.org/drawingml/2006/main" xmlns:r="http://schemas.openxmlformats.org/officeDocument/2006/relationships" xmlns:p="http://schemas.openxmlformats.org/presentationml/2006/main">
-  <p:cSld>
-    <p:spTree>
-      <p:nvGrpSpPr>
-        <p:cNvPr id="1" name=""/>
-        <p:cNvGrpSpPr/>
-        <p:nvPr/>
-      </p:nvGrpSpPr>
-      <p:grpSpPr>
-        <a:xfrm>
-          <a:off x="0" y="0"/>
-          <a:ext cx="0" cy="0"/>
-          <a:chOff x="0" y="0"/>
-          <a:chExt cx="0" cy="0"/>
-        </a:xfrm>
-      </p:grpSpPr>
-      <p:sp>
-        <p:nvSpPr>
-          <p:cNvPr id="2" name="Title 1">
-            <a:extLst>
-              <a:ext uri="{FF2B5EF4-FFF2-40B4-BE49-F238E27FC236}">
-                <a16:creationId xmlns:a16="http://schemas.microsoft.com/office/drawing/2014/main" id="{693E6919-C02F-46A1-8A89-DBD8A0DB790A}"/>
-              </a:ext>
-            </a:extLst>
-          </p:cNvPr>
-          <p:cNvSpPr>
-            <a:spLocks noGrp="1"/>
-          </p:cNvSpPr>
-          <p:nvPr>
-            <p:ph type="title"/>
-          </p:nvPr>
-        </p:nvSpPr>
-        <p:spPr/>
-        <p:txBody>
-          <a:bodyPr/>
-          <a:lstStyle/>
-          <a:p>
-            <a:r>
-              <a:rPr lang="zh-CN" altLang="en-US" dirty="0"/>
-              <a:t>创建数据库表截图</a:t>
-            </a:r>
-            <a:endParaRPr lang="en-US" dirty="0"/>
-          </a:p>
-        </p:txBody>
-      </p:sp>
-      <p:sp>
-        <p:nvSpPr>
-          <p:cNvPr id="3" name="Content Placeholder 2">
-            <a:extLst>
-              <a:ext uri="{FF2B5EF4-FFF2-40B4-BE49-F238E27FC236}">
-                <a16:creationId xmlns:a16="http://schemas.microsoft.com/office/drawing/2014/main" id="{1D92761B-955E-4892-98BD-B97CE7CCAEA6}"/>
-              </a:ext>
-            </a:extLst>
-          </p:cNvPr>
-          <p:cNvSpPr>
-            <a:spLocks noGrp="1"/>
-          </p:cNvSpPr>
-          <p:nvPr>
-            <p:ph idx="1"/>
-          </p:nvPr>
-        </p:nvSpPr>
-        <p:spPr/>
-        <p:txBody>
-          <a:bodyPr/>
-          <a:lstStyle/>
-          <a:p>
-            <a:endParaRPr lang="en-US"/>
-          </a:p>
-        </p:txBody>
-      </p:sp>
-    </p:spTree>
-    <p:extLst>
-      <p:ext uri="{BB962C8B-B14F-4D97-AF65-F5344CB8AC3E}">
-        <p14:creationId xmlns:p14="http://schemas.microsoft.com/office/powerpoint/2010/main" val="2424304777"/>
-      </p:ext>
-    </p:extLst>
-  </p:cSld>
-  <p:clrMapOvr>
-    <a:masterClrMapping/>
-  </p:clrMapOvr>
-</p:sld>
-</file>
-
 <file path=ppt/slides/slide23.xml><?xml version="1.0" encoding="utf-8"?>
 <p:sld xmlns:a="http://schemas.openxmlformats.org/drawingml/2006/main" xmlns:r="http://schemas.openxmlformats.org/officeDocument/2006/relationships" xmlns:p="http://schemas.openxmlformats.org/presentationml/2006/main">
   <p:cSld>
@@ -12822,15 +12853,7 @@
           <a:p>
             <a:r>
               <a:rPr lang="zh-CN" altLang="en-US" dirty="0"/>
-              <a:t>创建</a:t>
-            </a:r>
-            <a:r>
-              <a:rPr lang="en-US" altLang="zh-CN" dirty="0"/>
-              <a:t>module</a:t>
-            </a:r>
-            <a:r>
-              <a:rPr lang="zh-CN" altLang="en-US" dirty="0"/>
-              <a:t>功能截图</a:t>
+              <a:t>创建数据库表截图</a:t>
             </a:r>
             <a:endParaRPr lang="en-US" dirty="0"/>
           </a:p>
@@ -12864,7 +12887,7 @@
     </p:spTree>
     <p:extLst>
       <p:ext uri="{BB962C8B-B14F-4D97-AF65-F5344CB8AC3E}">
-        <p14:creationId xmlns:p14="http://schemas.microsoft.com/office/powerpoint/2010/main" val="3861114065"/>
+        <p14:creationId xmlns:p14="http://schemas.microsoft.com/office/powerpoint/2010/main" val="2424304777"/>
       </p:ext>
     </p:extLst>
   </p:cSld>
@@ -12913,12 +12936,16 @@
           <a:lstStyle/>
           <a:p>
             <a:r>
-              <a:rPr lang="en-US" altLang="zh-CN" dirty="0" err="1"/>
-              <a:t>generateConfig</a:t>
+              <a:rPr lang="zh-CN" altLang="en-US" dirty="0"/>
+              <a:t>创建</a:t>
+            </a:r>
+            <a:r>
+              <a:rPr lang="en-US" altLang="zh-CN" dirty="0"/>
+              <a:t>module</a:t>
             </a:r>
             <a:r>
               <a:rPr lang="zh-CN" altLang="en-US" dirty="0"/>
-              <a:t>文件截图</a:t>
+              <a:t>功能截图</a:t>
             </a:r>
             <a:endParaRPr lang="en-US" dirty="0"/>
           </a:p>
@@ -12952,7 +12979,7 @@
     </p:spTree>
     <p:extLst>
       <p:ext uri="{BB962C8B-B14F-4D97-AF65-F5344CB8AC3E}">
-        <p14:creationId xmlns:p14="http://schemas.microsoft.com/office/powerpoint/2010/main" val="3169152205"/>
+        <p14:creationId xmlns:p14="http://schemas.microsoft.com/office/powerpoint/2010/main" val="3861114065"/>
       </p:ext>
     </p:extLst>
   </p:cSld>
@@ -13001,8 +13028,12 @@
           <a:lstStyle/>
           <a:p>
             <a:r>
+              <a:rPr lang="en-US" altLang="zh-CN" dirty="0" err="1"/>
+              <a:t>generateConfig</a:t>
+            </a:r>
+            <a:r>
               <a:rPr lang="zh-CN" altLang="en-US" dirty="0"/>
-              <a:t>自动生成文件后项目截图</a:t>
+              <a:t>文件截图</a:t>
             </a:r>
             <a:endParaRPr lang="en-US" dirty="0"/>
           </a:p>
@@ -13036,7 +13067,7 @@
     </p:spTree>
     <p:extLst>
       <p:ext uri="{BB962C8B-B14F-4D97-AF65-F5344CB8AC3E}">
-        <p14:creationId xmlns:p14="http://schemas.microsoft.com/office/powerpoint/2010/main" val="1183100419"/>
+        <p14:creationId xmlns:p14="http://schemas.microsoft.com/office/powerpoint/2010/main" val="3169152205"/>
       </p:ext>
     </p:extLst>
   </p:cSld>
@@ -13086,23 +13117,7 @@
           <a:p>
             <a:r>
               <a:rPr lang="zh-CN" altLang="en-US" dirty="0"/>
-              <a:t>主工程引用</a:t>
-            </a:r>
-            <a:r>
-              <a:rPr lang="en-US" altLang="zh-CN" dirty="0"/>
-              <a:t>module</a:t>
-            </a:r>
-            <a:r>
-              <a:rPr lang="zh-CN" altLang="en-US" dirty="0"/>
-              <a:t>工程，</a:t>
-            </a:r>
-            <a:r>
-              <a:rPr lang="en-US" altLang="zh-CN" dirty="0" err="1"/>
-              <a:t>pom</a:t>
-            </a:r>
-            <a:r>
-              <a:rPr lang="zh-CN" altLang="en-US" dirty="0"/>
-              <a:t>依赖截图</a:t>
+              <a:t>自动生成文件后项目截图</a:t>
             </a:r>
             <a:endParaRPr lang="en-US" dirty="0"/>
           </a:p>
@@ -13136,6 +13151,106 @@
     </p:spTree>
     <p:extLst>
       <p:ext uri="{BB962C8B-B14F-4D97-AF65-F5344CB8AC3E}">
+        <p14:creationId xmlns:p14="http://schemas.microsoft.com/office/powerpoint/2010/main" val="1183100419"/>
+      </p:ext>
+    </p:extLst>
+  </p:cSld>
+  <p:clrMapOvr>
+    <a:masterClrMapping/>
+  </p:clrMapOvr>
+</p:sld>
+</file>
+
+<file path=ppt/slides/slide27.xml><?xml version="1.0" encoding="utf-8"?>
+<p:sld xmlns:a="http://schemas.openxmlformats.org/drawingml/2006/main" xmlns:r="http://schemas.openxmlformats.org/officeDocument/2006/relationships" xmlns:p="http://schemas.openxmlformats.org/presentationml/2006/main">
+  <p:cSld>
+    <p:spTree>
+      <p:nvGrpSpPr>
+        <p:cNvPr id="1" name=""/>
+        <p:cNvGrpSpPr/>
+        <p:nvPr/>
+      </p:nvGrpSpPr>
+      <p:grpSpPr>
+        <a:xfrm>
+          <a:off x="0" y="0"/>
+          <a:ext cx="0" cy="0"/>
+          <a:chOff x="0" y="0"/>
+          <a:chExt cx="0" cy="0"/>
+        </a:xfrm>
+      </p:grpSpPr>
+      <p:sp>
+        <p:nvSpPr>
+          <p:cNvPr id="2" name="Title 1">
+            <a:extLst>
+              <a:ext uri="{FF2B5EF4-FFF2-40B4-BE49-F238E27FC236}">
+                <a16:creationId xmlns:a16="http://schemas.microsoft.com/office/drawing/2014/main" id="{693E6919-C02F-46A1-8A89-DBD8A0DB790A}"/>
+              </a:ext>
+            </a:extLst>
+          </p:cNvPr>
+          <p:cNvSpPr>
+            <a:spLocks noGrp="1"/>
+          </p:cNvSpPr>
+          <p:nvPr>
+            <p:ph type="title"/>
+          </p:nvPr>
+        </p:nvSpPr>
+        <p:spPr/>
+        <p:txBody>
+          <a:bodyPr/>
+          <a:lstStyle/>
+          <a:p>
+            <a:r>
+              <a:rPr lang="zh-CN" altLang="en-US" dirty="0"/>
+              <a:t>主工程引用</a:t>
+            </a:r>
+            <a:r>
+              <a:rPr lang="en-US" altLang="zh-CN" dirty="0"/>
+              <a:t>module</a:t>
+            </a:r>
+            <a:r>
+              <a:rPr lang="zh-CN" altLang="en-US" dirty="0"/>
+              <a:t>工程，</a:t>
+            </a:r>
+            <a:r>
+              <a:rPr lang="en-US" altLang="zh-CN" dirty="0" err="1"/>
+              <a:t>pom</a:t>
+            </a:r>
+            <a:r>
+              <a:rPr lang="zh-CN" altLang="en-US" dirty="0"/>
+              <a:t>依赖截图</a:t>
+            </a:r>
+            <a:endParaRPr lang="en-US" dirty="0"/>
+          </a:p>
+        </p:txBody>
+      </p:sp>
+      <p:sp>
+        <p:nvSpPr>
+          <p:cNvPr id="3" name="Content Placeholder 2">
+            <a:extLst>
+              <a:ext uri="{FF2B5EF4-FFF2-40B4-BE49-F238E27FC236}">
+                <a16:creationId xmlns:a16="http://schemas.microsoft.com/office/drawing/2014/main" id="{1D92761B-955E-4892-98BD-B97CE7CCAEA6}"/>
+              </a:ext>
+            </a:extLst>
+          </p:cNvPr>
+          <p:cNvSpPr>
+            <a:spLocks noGrp="1"/>
+          </p:cNvSpPr>
+          <p:nvPr>
+            <p:ph idx="1"/>
+          </p:nvPr>
+        </p:nvSpPr>
+        <p:spPr/>
+        <p:txBody>
+          <a:bodyPr/>
+          <a:lstStyle/>
+          <a:p>
+            <a:endParaRPr lang="en-US"/>
+          </a:p>
+        </p:txBody>
+      </p:sp>
+    </p:spTree>
+    <p:extLst>
+      <p:ext uri="{BB962C8B-B14F-4D97-AF65-F5344CB8AC3E}">
         <p14:creationId xmlns:p14="http://schemas.microsoft.com/office/powerpoint/2010/main" val="4168471633"/>
       </p:ext>
     </p:extLst>
@@ -13146,7 +13261,7 @@
 </p:sld>
 </file>
 
-<file path=ppt/slides/slide27.xml><?xml version="1.0" encoding="utf-8"?>
+<file path=ppt/slides/slide28.xml><?xml version="1.0" encoding="utf-8"?>
 <p:sld xmlns:a="http://schemas.openxmlformats.org/drawingml/2006/main" xmlns:r="http://schemas.openxmlformats.org/officeDocument/2006/relationships" xmlns:p="http://schemas.openxmlformats.org/presentationml/2006/main">
   <p:cSld>
     <p:spTree>
@@ -13249,7 +13364,7 @@
 </p:sld>
 </file>
 
-<file path=ppt/slides/slide28.xml><?xml version="1.0" encoding="utf-8"?>
+<file path=ppt/slides/slide29.xml><?xml version="1.0" encoding="utf-8"?>
 <p:sld xmlns:a="http://schemas.openxmlformats.org/drawingml/2006/main" xmlns:r="http://schemas.openxmlformats.org/officeDocument/2006/relationships" xmlns:p="http://schemas.openxmlformats.org/presentationml/2006/main">
   <p:cSld>
     <p:spTree>
@@ -13324,90 +13439,6 @@
     <p:extLst>
       <p:ext uri="{BB962C8B-B14F-4D97-AF65-F5344CB8AC3E}">
         <p14:creationId xmlns:p14="http://schemas.microsoft.com/office/powerpoint/2010/main" val="1856012653"/>
-      </p:ext>
-    </p:extLst>
-  </p:cSld>
-  <p:clrMapOvr>
-    <a:masterClrMapping/>
-  </p:clrMapOvr>
-</p:sld>
-</file>
-
-<file path=ppt/slides/slide29.xml><?xml version="1.0" encoding="utf-8"?>
-<p:sld xmlns:a="http://schemas.openxmlformats.org/drawingml/2006/main" xmlns:r="http://schemas.openxmlformats.org/officeDocument/2006/relationships" xmlns:p="http://schemas.openxmlformats.org/presentationml/2006/main">
-  <p:cSld>
-    <p:spTree>
-      <p:nvGrpSpPr>
-        <p:cNvPr id="1" name=""/>
-        <p:cNvGrpSpPr/>
-        <p:nvPr/>
-      </p:nvGrpSpPr>
-      <p:grpSpPr>
-        <a:xfrm>
-          <a:off x="0" y="0"/>
-          <a:ext cx="0" cy="0"/>
-          <a:chOff x="0" y="0"/>
-          <a:chExt cx="0" cy="0"/>
-        </a:xfrm>
-      </p:grpSpPr>
-      <p:sp>
-        <p:nvSpPr>
-          <p:cNvPr id="2" name="Title 1">
-            <a:extLst>
-              <a:ext uri="{FF2B5EF4-FFF2-40B4-BE49-F238E27FC236}">
-                <a16:creationId xmlns:a16="http://schemas.microsoft.com/office/drawing/2014/main" id="{693E6919-C02F-46A1-8A89-DBD8A0DB790A}"/>
-              </a:ext>
-            </a:extLst>
-          </p:cNvPr>
-          <p:cNvSpPr>
-            <a:spLocks noGrp="1"/>
-          </p:cNvSpPr>
-          <p:nvPr>
-            <p:ph type="title"/>
-          </p:nvPr>
-        </p:nvSpPr>
-        <p:spPr/>
-        <p:txBody>
-          <a:bodyPr/>
-          <a:lstStyle/>
-          <a:p>
-            <a:r>
-              <a:rPr lang="zh-CN" altLang="en-US" dirty="0"/>
-              <a:t>测试执行截图</a:t>
-            </a:r>
-            <a:endParaRPr lang="en-US" dirty="0"/>
-          </a:p>
-        </p:txBody>
-      </p:sp>
-      <p:sp>
-        <p:nvSpPr>
-          <p:cNvPr id="3" name="Content Placeholder 2">
-            <a:extLst>
-              <a:ext uri="{FF2B5EF4-FFF2-40B4-BE49-F238E27FC236}">
-                <a16:creationId xmlns:a16="http://schemas.microsoft.com/office/drawing/2014/main" id="{1D92761B-955E-4892-98BD-B97CE7CCAEA6}"/>
-              </a:ext>
-            </a:extLst>
-          </p:cNvPr>
-          <p:cNvSpPr>
-            <a:spLocks noGrp="1"/>
-          </p:cNvSpPr>
-          <p:nvPr>
-            <p:ph idx="1"/>
-          </p:nvPr>
-        </p:nvSpPr>
-        <p:spPr/>
-        <p:txBody>
-          <a:bodyPr/>
-          <a:lstStyle/>
-          <a:p>
-            <a:endParaRPr lang="en-US"/>
-          </a:p>
-        </p:txBody>
-      </p:sp>
-    </p:spTree>
-    <p:extLst>
-      <p:ext uri="{BB962C8B-B14F-4D97-AF65-F5344CB8AC3E}">
-        <p14:creationId xmlns:p14="http://schemas.microsoft.com/office/powerpoint/2010/main" val="1628105269"/>
       </p:ext>
     </p:extLst>
   </p:cSld>
@@ -16230,6 +16261,90 @@
           <p:cNvPr id="2" name="Title 1">
             <a:extLst>
               <a:ext uri="{FF2B5EF4-FFF2-40B4-BE49-F238E27FC236}">
+                <a16:creationId xmlns:a16="http://schemas.microsoft.com/office/drawing/2014/main" id="{693E6919-C02F-46A1-8A89-DBD8A0DB790A}"/>
+              </a:ext>
+            </a:extLst>
+          </p:cNvPr>
+          <p:cNvSpPr>
+            <a:spLocks noGrp="1"/>
+          </p:cNvSpPr>
+          <p:nvPr>
+            <p:ph type="title"/>
+          </p:nvPr>
+        </p:nvSpPr>
+        <p:spPr/>
+        <p:txBody>
+          <a:bodyPr/>
+          <a:lstStyle/>
+          <a:p>
+            <a:r>
+              <a:rPr lang="zh-CN" altLang="en-US" dirty="0"/>
+              <a:t>测试执行截图</a:t>
+            </a:r>
+            <a:endParaRPr lang="en-US" dirty="0"/>
+          </a:p>
+        </p:txBody>
+      </p:sp>
+      <p:sp>
+        <p:nvSpPr>
+          <p:cNvPr id="3" name="Content Placeholder 2">
+            <a:extLst>
+              <a:ext uri="{FF2B5EF4-FFF2-40B4-BE49-F238E27FC236}">
+                <a16:creationId xmlns:a16="http://schemas.microsoft.com/office/drawing/2014/main" id="{1D92761B-955E-4892-98BD-B97CE7CCAEA6}"/>
+              </a:ext>
+            </a:extLst>
+          </p:cNvPr>
+          <p:cNvSpPr>
+            <a:spLocks noGrp="1"/>
+          </p:cNvSpPr>
+          <p:nvPr>
+            <p:ph idx="1"/>
+          </p:nvPr>
+        </p:nvSpPr>
+        <p:spPr/>
+        <p:txBody>
+          <a:bodyPr/>
+          <a:lstStyle/>
+          <a:p>
+            <a:endParaRPr lang="en-US"/>
+          </a:p>
+        </p:txBody>
+      </p:sp>
+    </p:spTree>
+    <p:extLst>
+      <p:ext uri="{BB962C8B-B14F-4D97-AF65-F5344CB8AC3E}">
+        <p14:creationId xmlns:p14="http://schemas.microsoft.com/office/powerpoint/2010/main" val="1628105269"/>
+      </p:ext>
+    </p:extLst>
+  </p:cSld>
+  <p:clrMapOvr>
+    <a:masterClrMapping/>
+  </p:clrMapOvr>
+</p:sld>
+</file>
+
+<file path=ppt/slides/slide31.xml><?xml version="1.0" encoding="utf-8"?>
+<p:sld xmlns:a="http://schemas.openxmlformats.org/drawingml/2006/main" xmlns:r="http://schemas.openxmlformats.org/officeDocument/2006/relationships" xmlns:p="http://schemas.openxmlformats.org/presentationml/2006/main">
+  <p:cSld>
+    <p:spTree>
+      <p:nvGrpSpPr>
+        <p:cNvPr id="1" name=""/>
+        <p:cNvGrpSpPr/>
+        <p:nvPr/>
+      </p:nvGrpSpPr>
+      <p:grpSpPr>
+        <a:xfrm>
+          <a:off x="0" y="0"/>
+          <a:ext cx="0" cy="0"/>
+          <a:chOff x="0" y="0"/>
+          <a:chExt cx="0" cy="0"/>
+        </a:xfrm>
+      </p:grpSpPr>
+      <p:sp>
+        <p:nvSpPr>
+          <p:cNvPr id="2" name="Title 1">
+            <a:extLst>
+              <a:ext uri="{FF2B5EF4-FFF2-40B4-BE49-F238E27FC236}">
                 <a16:creationId xmlns:a16="http://schemas.microsoft.com/office/drawing/2014/main" id="{011CB86D-43EC-4B6A-8AE1-C469DF7F468D}"/>
               </a:ext>
             </a:extLst>

--- a/201805/JAVA 基础介绍20180605.pptx
+++ b/201805/JAVA 基础介绍20180605.pptx
@@ -5,7 +5,7 @@
     <p:sldMasterId id="2147483648" r:id="rId1"/>
   </p:sldMasterIdLst>
   <p:notesMasterIdLst>
-    <p:notesMasterId r:id="rId33"/>
+    <p:notesMasterId r:id="rId35"/>
   </p:notesMasterIdLst>
   <p:sldIdLst>
     <p:sldId id="277" r:id="rId2"/>
@@ -19,26 +19,28 @@
     <p:sldId id="280" r:id="rId10"/>
     <p:sldId id="281" r:id="rId11"/>
     <p:sldId id="285" r:id="rId12"/>
-    <p:sldId id="286" r:id="rId13"/>
-    <p:sldId id="303" r:id="rId14"/>
-    <p:sldId id="265" r:id="rId15"/>
-    <p:sldId id="282" r:id="rId16"/>
-    <p:sldId id="287" r:id="rId17"/>
-    <p:sldId id="288" r:id="rId18"/>
-    <p:sldId id="289" r:id="rId19"/>
-    <p:sldId id="290" r:id="rId20"/>
-    <p:sldId id="291" r:id="rId21"/>
-    <p:sldId id="292" r:id="rId22"/>
-    <p:sldId id="293" r:id="rId23"/>
-    <p:sldId id="294" r:id="rId24"/>
-    <p:sldId id="295" r:id="rId25"/>
-    <p:sldId id="296" r:id="rId26"/>
-    <p:sldId id="297" r:id="rId27"/>
-    <p:sldId id="298" r:id="rId28"/>
-    <p:sldId id="299" r:id="rId29"/>
-    <p:sldId id="300" r:id="rId30"/>
-    <p:sldId id="302" r:id="rId31"/>
-    <p:sldId id="269" r:id="rId32"/>
+    <p:sldId id="304" r:id="rId13"/>
+    <p:sldId id="286" r:id="rId14"/>
+    <p:sldId id="305" r:id="rId15"/>
+    <p:sldId id="303" r:id="rId16"/>
+    <p:sldId id="265" r:id="rId17"/>
+    <p:sldId id="282" r:id="rId18"/>
+    <p:sldId id="287" r:id="rId19"/>
+    <p:sldId id="288" r:id="rId20"/>
+    <p:sldId id="289" r:id="rId21"/>
+    <p:sldId id="290" r:id="rId22"/>
+    <p:sldId id="291" r:id="rId23"/>
+    <p:sldId id="292" r:id="rId24"/>
+    <p:sldId id="293" r:id="rId25"/>
+    <p:sldId id="294" r:id="rId26"/>
+    <p:sldId id="295" r:id="rId27"/>
+    <p:sldId id="296" r:id="rId28"/>
+    <p:sldId id="297" r:id="rId29"/>
+    <p:sldId id="298" r:id="rId30"/>
+    <p:sldId id="299" r:id="rId31"/>
+    <p:sldId id="300" r:id="rId32"/>
+    <p:sldId id="302" r:id="rId33"/>
+    <p:sldId id="269" r:id="rId34"/>
   </p:sldIdLst>
   <p:sldSz cx="12192000" cy="6858000"/>
   <p:notesSz cx="6858000" cy="9144000"/>
@@ -231,7 +233,7 @@
           <a:p>
             <a:fld id="{820C2EA8-DE5A-4AA6-B918-4FCC223A8B73}" type="datetimeFigureOut">
               <a:rPr lang="en-US" smtClean="0"/>
-              <a:t>6/5/2018</a:t>
+              <a:t>6/6/2018</a:t>
             </a:fld>
             <a:endParaRPr lang="en-US"/>
           </a:p>
@@ -827,7 +829,7 @@
           <a:p>
             <a:fld id="{11532156-F9B5-41E3-ADB7-D297B9458FA2}" type="slidenum">
               <a:rPr lang="en-US" smtClean="0"/>
-              <a:t>14</a:t>
+              <a:t>11</a:t>
             </a:fld>
             <a:endParaRPr lang="en-US"/>
           </a:p>
@@ -836,7 +838,7 @@
     </p:spTree>
     <p:extLst>
       <p:ext uri="{BB962C8B-B14F-4D97-AF65-F5344CB8AC3E}">
-        <p14:creationId xmlns:p14="http://schemas.microsoft.com/office/powerpoint/2010/main" val="3387967395"/>
+        <p14:creationId xmlns:p14="http://schemas.microsoft.com/office/powerpoint/2010/main" val="3910823621"/>
       </p:ext>
     </p:extLst>
   </p:cSld>
@@ -890,18 +892,6 @@
           <a:bodyPr/>
           <a:lstStyle/>
           <a:p>
-            <a:r>
-              <a:rPr lang="zh-CN" altLang="en-US" dirty="0"/>
-              <a:t>穿插</a:t>
-            </a:r>
-            <a:r>
-              <a:rPr lang="en-US" altLang="zh-CN" dirty="0"/>
-              <a:t>java</a:t>
-            </a:r>
-            <a:r>
-              <a:rPr lang="zh-CN" altLang="en-US" dirty="0"/>
-              <a:t>编程规范</a:t>
-            </a:r>
             <a:endParaRPr lang="en-US" dirty="0"/>
           </a:p>
         </p:txBody>
@@ -923,7 +913,7 @@
           <a:p>
             <a:fld id="{11532156-F9B5-41E3-ADB7-D297B9458FA2}" type="slidenum">
               <a:rPr lang="en-US" smtClean="0"/>
-              <a:t>15</a:t>
+              <a:t>12</a:t>
             </a:fld>
             <a:endParaRPr lang="en-US"/>
           </a:p>
@@ -932,7 +922,7 @@
     </p:spTree>
     <p:extLst>
       <p:ext uri="{BB962C8B-B14F-4D97-AF65-F5344CB8AC3E}">
-        <p14:creationId xmlns:p14="http://schemas.microsoft.com/office/powerpoint/2010/main" val="3852718640"/>
+        <p14:creationId xmlns:p14="http://schemas.microsoft.com/office/powerpoint/2010/main" val="2856071976"/>
       </p:ext>
     </p:extLst>
   </p:cSld>
@@ -986,18 +976,6 @@
           <a:bodyPr/>
           <a:lstStyle/>
           <a:p>
-            <a:r>
-              <a:rPr lang="zh-CN" altLang="en-US" dirty="0"/>
-              <a:t>穿插</a:t>
-            </a:r>
-            <a:r>
-              <a:rPr lang="en-US" altLang="zh-CN" dirty="0"/>
-              <a:t>java</a:t>
-            </a:r>
-            <a:r>
-              <a:rPr lang="zh-CN" altLang="en-US" dirty="0"/>
-              <a:t>编程规范</a:t>
-            </a:r>
             <a:endParaRPr lang="en-US" dirty="0"/>
           </a:p>
         </p:txBody>
@@ -1019,7 +997,199 @@
           <a:p>
             <a:fld id="{11532156-F9B5-41E3-ADB7-D297B9458FA2}" type="slidenum">
               <a:rPr lang="en-US" smtClean="0"/>
-              <a:t>22</a:t>
+              <a:t>16</a:t>
+            </a:fld>
+            <a:endParaRPr lang="en-US"/>
+          </a:p>
+        </p:txBody>
+      </p:sp>
+    </p:spTree>
+    <p:extLst>
+      <p:ext uri="{BB962C8B-B14F-4D97-AF65-F5344CB8AC3E}">
+        <p14:creationId xmlns:p14="http://schemas.microsoft.com/office/powerpoint/2010/main" val="3387967395"/>
+      </p:ext>
+    </p:extLst>
+  </p:cSld>
+  <p:clrMapOvr>
+    <a:masterClrMapping/>
+  </p:clrMapOvr>
+</p:notes>
+</file>
+
+<file path=ppt/notesSlides/notesSlide7.xml><?xml version="1.0" encoding="utf-8"?>
+<p:notes xmlns:a="http://schemas.openxmlformats.org/drawingml/2006/main" xmlns:r="http://schemas.openxmlformats.org/officeDocument/2006/relationships" xmlns:p="http://schemas.openxmlformats.org/presentationml/2006/main">
+  <p:cSld>
+    <p:spTree>
+      <p:nvGrpSpPr>
+        <p:cNvPr id="1" name=""/>
+        <p:cNvGrpSpPr/>
+        <p:nvPr/>
+      </p:nvGrpSpPr>
+      <p:grpSpPr>
+        <a:xfrm>
+          <a:off x="0" y="0"/>
+          <a:ext cx="0" cy="0"/>
+          <a:chOff x="0" y="0"/>
+          <a:chExt cx="0" cy="0"/>
+        </a:xfrm>
+      </p:grpSpPr>
+      <p:sp>
+        <p:nvSpPr>
+          <p:cNvPr id="2" name="Slide Image Placeholder 1"/>
+          <p:cNvSpPr>
+            <a:spLocks noGrp="1" noRot="1" noChangeAspect="1"/>
+          </p:cNvSpPr>
+          <p:nvPr>
+            <p:ph type="sldImg"/>
+          </p:nvPr>
+        </p:nvSpPr>
+        <p:spPr/>
+      </p:sp>
+      <p:sp>
+        <p:nvSpPr>
+          <p:cNvPr id="3" name="Notes Placeholder 2"/>
+          <p:cNvSpPr>
+            <a:spLocks noGrp="1"/>
+          </p:cNvSpPr>
+          <p:nvPr>
+            <p:ph type="body" idx="1"/>
+          </p:nvPr>
+        </p:nvSpPr>
+        <p:spPr/>
+        <p:txBody>
+          <a:bodyPr/>
+          <a:lstStyle/>
+          <a:p>
+            <a:r>
+              <a:rPr lang="zh-CN" altLang="en-US" dirty="0"/>
+              <a:t>穿插</a:t>
+            </a:r>
+            <a:r>
+              <a:rPr lang="en-US" altLang="zh-CN" dirty="0"/>
+              <a:t>java</a:t>
+            </a:r>
+            <a:r>
+              <a:rPr lang="zh-CN" altLang="en-US" dirty="0"/>
+              <a:t>编程规范</a:t>
+            </a:r>
+            <a:endParaRPr lang="en-US" dirty="0"/>
+          </a:p>
+        </p:txBody>
+      </p:sp>
+      <p:sp>
+        <p:nvSpPr>
+          <p:cNvPr id="4" name="Slide Number Placeholder 3"/>
+          <p:cNvSpPr>
+            <a:spLocks noGrp="1"/>
+          </p:cNvSpPr>
+          <p:nvPr>
+            <p:ph type="sldNum" sz="quarter" idx="10"/>
+          </p:nvPr>
+        </p:nvSpPr>
+        <p:spPr/>
+        <p:txBody>
+          <a:bodyPr/>
+          <a:lstStyle/>
+          <a:p>
+            <a:fld id="{11532156-F9B5-41E3-ADB7-D297B9458FA2}" type="slidenum">
+              <a:rPr lang="en-US" smtClean="0"/>
+              <a:t>17</a:t>
+            </a:fld>
+            <a:endParaRPr lang="en-US"/>
+          </a:p>
+        </p:txBody>
+      </p:sp>
+    </p:spTree>
+    <p:extLst>
+      <p:ext uri="{BB962C8B-B14F-4D97-AF65-F5344CB8AC3E}">
+        <p14:creationId xmlns:p14="http://schemas.microsoft.com/office/powerpoint/2010/main" val="3852718640"/>
+      </p:ext>
+    </p:extLst>
+  </p:cSld>
+  <p:clrMapOvr>
+    <a:masterClrMapping/>
+  </p:clrMapOvr>
+</p:notes>
+</file>
+
+<file path=ppt/notesSlides/notesSlide8.xml><?xml version="1.0" encoding="utf-8"?>
+<p:notes xmlns:a="http://schemas.openxmlformats.org/drawingml/2006/main" xmlns:r="http://schemas.openxmlformats.org/officeDocument/2006/relationships" xmlns:p="http://schemas.openxmlformats.org/presentationml/2006/main">
+  <p:cSld>
+    <p:spTree>
+      <p:nvGrpSpPr>
+        <p:cNvPr id="1" name=""/>
+        <p:cNvGrpSpPr/>
+        <p:nvPr/>
+      </p:nvGrpSpPr>
+      <p:grpSpPr>
+        <a:xfrm>
+          <a:off x="0" y="0"/>
+          <a:ext cx="0" cy="0"/>
+          <a:chOff x="0" y="0"/>
+          <a:chExt cx="0" cy="0"/>
+        </a:xfrm>
+      </p:grpSpPr>
+      <p:sp>
+        <p:nvSpPr>
+          <p:cNvPr id="2" name="Slide Image Placeholder 1"/>
+          <p:cNvSpPr>
+            <a:spLocks noGrp="1" noRot="1" noChangeAspect="1"/>
+          </p:cNvSpPr>
+          <p:nvPr>
+            <p:ph type="sldImg"/>
+          </p:nvPr>
+        </p:nvSpPr>
+        <p:spPr/>
+      </p:sp>
+      <p:sp>
+        <p:nvSpPr>
+          <p:cNvPr id="3" name="Notes Placeholder 2"/>
+          <p:cNvSpPr>
+            <a:spLocks noGrp="1"/>
+          </p:cNvSpPr>
+          <p:nvPr>
+            <p:ph type="body" idx="1"/>
+          </p:nvPr>
+        </p:nvSpPr>
+        <p:spPr/>
+        <p:txBody>
+          <a:bodyPr/>
+          <a:lstStyle/>
+          <a:p>
+            <a:r>
+              <a:rPr lang="zh-CN" altLang="en-US" dirty="0"/>
+              <a:t>穿插</a:t>
+            </a:r>
+            <a:r>
+              <a:rPr lang="en-US" altLang="zh-CN" dirty="0"/>
+              <a:t>java</a:t>
+            </a:r>
+            <a:r>
+              <a:rPr lang="zh-CN" altLang="en-US" dirty="0"/>
+              <a:t>编程规范</a:t>
+            </a:r>
+            <a:endParaRPr lang="en-US" dirty="0"/>
+          </a:p>
+        </p:txBody>
+      </p:sp>
+      <p:sp>
+        <p:nvSpPr>
+          <p:cNvPr id="4" name="Slide Number Placeholder 3"/>
+          <p:cNvSpPr>
+            <a:spLocks noGrp="1"/>
+          </p:cNvSpPr>
+          <p:nvPr>
+            <p:ph type="sldNum" sz="quarter" idx="10"/>
+          </p:nvPr>
+        </p:nvSpPr>
+        <p:spPr/>
+        <p:txBody>
+          <a:bodyPr/>
+          <a:lstStyle/>
+          <a:p>
+            <a:fld id="{11532156-F9B5-41E3-ADB7-D297B9458FA2}" type="slidenum">
+              <a:rPr lang="en-US" smtClean="0"/>
+              <a:t>24</a:t>
             </a:fld>
             <a:endParaRPr lang="en-US"/>
           </a:p>
@@ -1227,7 +1397,7 @@
             <a:fld id="{B61BEF0D-F0BB-DE4B-95CE-6DB70DBA9567}" type="datetimeFigureOut">
               <a:rPr lang="en-US" dirty="0"/>
               <a:pPr/>
-              <a:t>6/5/2018</a:t>
+              <a:t>6/6/2018</a:t>
             </a:fld>
             <a:endParaRPr lang="en-US" dirty="0"/>
           </a:p>
@@ -1562,7 +1732,7 @@
             <a:fld id="{B61BEF0D-F0BB-DE4B-95CE-6DB70DBA9567}" type="datetimeFigureOut">
               <a:rPr lang="en-US" dirty="0"/>
               <a:pPr/>
-              <a:t>6/5/2018</a:t>
+              <a:t>6/6/2018</a:t>
             </a:fld>
             <a:endParaRPr lang="en-US" dirty="0"/>
           </a:p>
@@ -1960,7 +2130,7 @@
             <a:fld id="{B61BEF0D-F0BB-DE4B-95CE-6DB70DBA9567}" type="datetimeFigureOut">
               <a:rPr lang="en-US" dirty="0"/>
               <a:pPr/>
-              <a:t>6/5/2018</a:t>
+              <a:t>6/6/2018</a:t>
             </a:fld>
             <a:endParaRPr lang="en-US" dirty="0"/>
           </a:p>
@@ -2293,7 +2463,7 @@
             <a:fld id="{B61BEF0D-F0BB-DE4B-95CE-6DB70DBA9567}" type="datetimeFigureOut">
               <a:rPr lang="en-US" dirty="0"/>
               <a:pPr/>
-              <a:t>6/5/2018</a:t>
+              <a:t>6/6/2018</a:t>
             </a:fld>
             <a:endParaRPr lang="en-US" dirty="0"/>
           </a:p>
@@ -2610,7 +2780,7 @@
             <a:fld id="{B61BEF0D-F0BB-DE4B-95CE-6DB70DBA9567}" type="datetimeFigureOut">
               <a:rPr lang="en-US" dirty="0"/>
               <a:pPr/>
-              <a:t>6/5/2018</a:t>
+              <a:t>6/6/2018</a:t>
             </a:fld>
             <a:endParaRPr lang="en-US" dirty="0"/>
           </a:p>
@@ -3003,7 +3173,7 @@
             <a:fld id="{B61BEF0D-F0BB-DE4B-95CE-6DB70DBA9567}" type="datetimeFigureOut">
               <a:rPr lang="en-US" dirty="0"/>
               <a:pPr/>
-              <a:t>6/5/2018</a:t>
+              <a:t>6/6/2018</a:t>
             </a:fld>
             <a:endParaRPr lang="en-US" dirty="0"/>
           </a:p>
@@ -3257,7 +3427,7 @@
             <a:fld id="{B61BEF0D-F0BB-DE4B-95CE-6DB70DBA9567}" type="datetimeFigureOut">
               <a:rPr lang="en-US" dirty="0"/>
               <a:pPr/>
-              <a:t>6/5/2018</a:t>
+              <a:t>6/6/2018</a:t>
             </a:fld>
             <a:endParaRPr lang="en-US" dirty="0"/>
           </a:p>
@@ -3516,7 +3686,7 @@
             <a:fld id="{B61BEF0D-F0BB-DE4B-95CE-6DB70DBA9567}" type="datetimeFigureOut">
               <a:rPr lang="en-US" dirty="0"/>
               <a:pPr/>
-              <a:t>6/5/2018</a:t>
+              <a:t>6/6/2018</a:t>
             </a:fld>
             <a:endParaRPr lang="en-US" dirty="0"/>
           </a:p>
@@ -3775,7 +3945,7 @@
             <a:fld id="{B61BEF0D-F0BB-DE4B-95CE-6DB70DBA9567}" type="datetimeFigureOut">
               <a:rPr lang="en-US" dirty="0"/>
               <a:pPr/>
-              <a:t>6/5/2018</a:t>
+              <a:t>6/6/2018</a:t>
             </a:fld>
             <a:endParaRPr lang="en-US" dirty="0"/>
           </a:p>
@@ -4101,7 +4271,7 @@
             <a:fld id="{B61BEF0D-F0BB-DE4B-95CE-6DB70DBA9567}" type="datetimeFigureOut">
               <a:rPr lang="en-US" dirty="0"/>
               <a:pPr/>
-              <a:t>6/5/2018</a:t>
+              <a:t>6/6/2018</a:t>
             </a:fld>
             <a:endParaRPr lang="en-US" dirty="0"/>
           </a:p>
@@ -4421,7 +4591,7 @@
             <a:fld id="{B61BEF0D-F0BB-DE4B-95CE-6DB70DBA9567}" type="datetimeFigureOut">
               <a:rPr lang="en-US" dirty="0"/>
               <a:pPr/>
-              <a:t>6/5/2018</a:t>
+              <a:t>6/6/2018</a:t>
             </a:fld>
             <a:endParaRPr lang="en-US" dirty="0"/>
           </a:p>
@@ -4875,7 +5045,7 @@
             <a:fld id="{B61BEF0D-F0BB-DE4B-95CE-6DB70DBA9567}" type="datetimeFigureOut">
               <a:rPr lang="en-US" dirty="0"/>
               <a:pPr/>
-              <a:t>6/5/2018</a:t>
+              <a:t>6/6/2018</a:t>
             </a:fld>
             <a:endParaRPr lang="en-US" dirty="0"/>
           </a:p>
@@ -5077,7 +5247,7 @@
             <a:fld id="{B61BEF0D-F0BB-DE4B-95CE-6DB70DBA9567}" type="datetimeFigureOut">
               <a:rPr lang="en-US" dirty="0"/>
               <a:pPr/>
-              <a:t>6/5/2018</a:t>
+              <a:t>6/6/2018</a:t>
             </a:fld>
             <a:endParaRPr lang="en-US" dirty="0"/>
           </a:p>
@@ -5251,7 +5421,7 @@
             <a:fld id="{B61BEF0D-F0BB-DE4B-95CE-6DB70DBA9567}" type="datetimeFigureOut">
               <a:rPr lang="en-US" dirty="0"/>
               <a:pPr/>
-              <a:t>6/5/2018</a:t>
+              <a:t>6/6/2018</a:t>
             </a:fld>
             <a:endParaRPr lang="en-US" dirty="0"/>
           </a:p>
@@ -5581,7 +5751,7 @@
             <a:fld id="{B61BEF0D-F0BB-DE4B-95CE-6DB70DBA9567}" type="datetimeFigureOut">
               <a:rPr lang="en-US" dirty="0"/>
               <a:pPr/>
-              <a:t>6/5/2018</a:t>
+              <a:t>6/6/2018</a:t>
             </a:fld>
             <a:endParaRPr lang="en-US" dirty="0"/>
           </a:p>
@@ -5923,7 +6093,7 @@
             <a:fld id="{B61BEF0D-F0BB-DE4B-95CE-6DB70DBA9567}" type="datetimeFigureOut">
               <a:rPr lang="en-US" dirty="0"/>
               <a:pPr/>
-              <a:t>6/5/2018</a:t>
+              <a:t>6/6/2018</a:t>
             </a:fld>
             <a:endParaRPr lang="en-US" dirty="0"/>
           </a:p>
@@ -8037,7 +8207,7 @@
             <a:fld id="{B61BEF0D-F0BB-DE4B-95CE-6DB70DBA9567}" type="datetimeFigureOut">
               <a:rPr lang="en-US" dirty="0"/>
               <a:pPr/>
-              <a:t>6/5/2018</a:t>
+              <a:t>6/6/2018</a:t>
             </a:fld>
             <a:endParaRPr lang="en-US" dirty="0"/>
           </a:p>
@@ -9233,8 +9403,8 @@
         </p:nvSpPr>
         <p:spPr>
           <a:xfrm rot="937925">
-            <a:off x="6090206" y="5070298"/>
-            <a:ext cx="2743413" cy="395173"/>
+            <a:off x="6090206" y="5071164"/>
+            <a:ext cx="2743413" cy="393441"/>
           </a:xfrm>
           <a:prstGeom prst="rect">
             <a:avLst/>
@@ -9285,7 +9455,11 @@
               <a:defRPr/>
             </a:pPr>
             <a:r>
-              <a:rPr lang="en-US" altLang="zh-CN" sz="2400" dirty="0">
+              <a:rPr kumimoji="0" lang="zh-CN" altLang="en-US" sz="2400" b="1" i="0" u="none" strike="noStrike" kern="0" cap="none" spc="0" normalizeH="0" baseline="0" noProof="0" dirty="0">
+                <a:ln w="18415" cmpd="sng">
+                  <a:noFill/>
+                  <a:prstDash val="solid"/>
+                </a:ln>
                 <a:solidFill>
                   <a:srgbClr val="826300"/>
                 </a:solidFill>
@@ -9296,13 +9470,20 @@
                     </a:sysClr>
                   </a:outerShdw>
                 </a:effectLst>
+                <a:uLnTx/>
+                <a:uFillTx/>
                 <a:latin typeface="Adidas Unity" pitchFamily="2" charset="0"/>
+                <a:ea typeface="微软雅黑" pitchFamily="34" charset="-122"/>
                 <a:cs typeface="Times New Roman" pitchFamily="18" charset="0"/>
               </a:rPr>
-              <a:t>Hello World </a:t>
+              <a:t>基础</a:t>
             </a:r>
             <a:r>
-              <a:rPr lang="zh-CN" altLang="en-US" sz="2400" dirty="0">
+              <a:rPr kumimoji="0" lang="en-US" altLang="zh-CN" sz="2400" b="1" i="0" u="none" strike="noStrike" kern="0" cap="none" spc="0" normalizeH="0" baseline="0" noProof="0" dirty="0">
+                <a:ln w="18415" cmpd="sng">
+                  <a:noFill/>
+                  <a:prstDash val="solid"/>
+                </a:ln>
                 <a:solidFill>
                   <a:srgbClr val="826300"/>
                 </a:solidFill>
@@ -9313,32 +9494,38 @@
                     </a:sysClr>
                   </a:outerShdw>
                 </a:effectLst>
+                <a:uLnTx/>
+                <a:uFillTx/>
                 <a:latin typeface="Adidas Unity" pitchFamily="2" charset="0"/>
+                <a:ea typeface="微软雅黑" pitchFamily="34" charset="-122"/>
                 <a:cs typeface="Times New Roman" pitchFamily="18" charset="0"/>
               </a:rPr>
-              <a:t>演示</a:t>
+              <a:t>REST</a:t>
             </a:r>
-            <a:endParaRPr kumimoji="0" lang="zh-CN" altLang="en-US" sz="2400" b="1" i="0" u="none" strike="noStrike" kern="0" cap="none" spc="0" normalizeH="0" baseline="0" noProof="0" dirty="0">
-              <a:ln w="18415" cmpd="sng">
-                <a:noFill/>
-                <a:prstDash val="solid"/>
-              </a:ln>
-              <a:solidFill>
-                <a:srgbClr val="826300"/>
-              </a:solidFill>
-              <a:effectLst>
-                <a:outerShdw dist="38100" dir="5400000" algn="t" rotWithShape="0">
-                  <a:sysClr val="window" lastClr="FFFFFF">
-                    <a:alpha val="55000"/>
-                  </a:sysClr>
-                </a:outerShdw>
-              </a:effectLst>
-              <a:uLnTx/>
-              <a:uFillTx/>
-              <a:latin typeface="Adidas Unity" pitchFamily="2" charset="0"/>
-              <a:ea typeface="微软雅黑" pitchFamily="34" charset="-122"/>
-              <a:cs typeface="Times New Roman" pitchFamily="18" charset="0"/>
-            </a:endParaRPr>
+            <a:r>
+              <a:rPr kumimoji="0" lang="zh-CN" altLang="en-US" sz="2400" b="1" i="0" u="none" strike="noStrike" kern="0" cap="none" spc="0" normalizeH="0" baseline="0" noProof="0" dirty="0">
+                <a:ln w="18415" cmpd="sng">
+                  <a:noFill/>
+                  <a:prstDash val="solid"/>
+                </a:ln>
+                <a:solidFill>
+                  <a:srgbClr val="826300"/>
+                </a:solidFill>
+                <a:effectLst>
+                  <a:outerShdw dist="38100" dir="5400000" algn="t" rotWithShape="0">
+                    <a:sysClr val="window" lastClr="FFFFFF">
+                      <a:alpha val="55000"/>
+                    </a:sysClr>
+                  </a:outerShdw>
+                </a:effectLst>
+                <a:uLnTx/>
+                <a:uFillTx/>
+                <a:latin typeface="Adidas Unity" pitchFamily="2" charset="0"/>
+                <a:ea typeface="微软雅黑" pitchFamily="34" charset="-122"/>
+                <a:cs typeface="Times New Roman" pitchFamily="18" charset="0"/>
+              </a:rPr>
+              <a:t>服务演示</a:t>
+            </a:r>
           </a:p>
         </p:txBody>
       </p:sp>
@@ -11018,37 +11205,150 @@
           <a:p>
             <a:r>
               <a:rPr lang="en-US" altLang="zh-CN" dirty="0"/>
-              <a:t>maven</a:t>
+              <a:t>Maven</a:t>
             </a:r>
             <a:r>
               <a:rPr lang="zh-CN" altLang="en-US" dirty="0"/>
-              <a:t>的两种配置文件截图</a:t>
+              <a:t>配置文件</a:t>
+            </a:r>
+            <a:r>
+              <a:rPr lang="en-US" altLang="zh-CN" dirty="0" err="1"/>
+              <a:t>conf</a:t>
+            </a:r>
+            <a:r>
+              <a:rPr lang="en-US" altLang="zh-CN" dirty="0"/>
+              <a:t>/settings.xml</a:t>
             </a:r>
             <a:endParaRPr lang="en-US" dirty="0"/>
+          </a:p>
+        </p:txBody>
+      </p:sp>
+      <p:pic>
+        <p:nvPicPr>
+          <p:cNvPr id="5" name="Picture 4">
+            <a:extLst>
+              <a:ext uri="{FF2B5EF4-FFF2-40B4-BE49-F238E27FC236}">
+                <a16:creationId xmlns:a16="http://schemas.microsoft.com/office/drawing/2014/main" id="{7E9AF9DC-EDF8-4C86-A130-982E6D702581}"/>
+              </a:ext>
+            </a:extLst>
+          </p:cNvPr>
+          <p:cNvPicPr>
+            <a:picLocks noChangeAspect="1"/>
+          </p:cNvPicPr>
+          <p:nvPr/>
+        </p:nvPicPr>
+        <p:blipFill>
+          <a:blip r:embed="rId3"/>
+          <a:stretch>
+            <a:fillRect/>
+          </a:stretch>
+        </p:blipFill>
+        <p:spPr>
+          <a:xfrm>
+            <a:off x="1797530" y="1613052"/>
+            <a:ext cx="10100688" cy="4816642"/>
+          </a:xfrm>
+          <a:prstGeom prst="rect">
+            <a:avLst/>
+          </a:prstGeom>
+        </p:spPr>
+      </p:pic>
+      <p:sp>
+        <p:nvSpPr>
+          <p:cNvPr id="6" name="Rectangle 5">
+            <a:extLst>
+              <a:ext uri="{FF2B5EF4-FFF2-40B4-BE49-F238E27FC236}">
+                <a16:creationId xmlns:a16="http://schemas.microsoft.com/office/drawing/2014/main" id="{BD888EA0-4855-4B82-B54B-FF372B4EC2C6}"/>
+              </a:ext>
+            </a:extLst>
+          </p:cNvPr>
+          <p:cNvSpPr/>
+          <p:nvPr/>
+        </p:nvSpPr>
+        <p:spPr>
+          <a:xfrm>
+            <a:off x="1994053" y="3690651"/>
+            <a:ext cx="9510559" cy="386023"/>
+          </a:xfrm>
+          <a:prstGeom prst="rect">
+            <a:avLst/>
+          </a:prstGeom>
+          <a:noFill/>
+          <a:ln w="38100">
+            <a:solidFill>
+              <a:srgbClr val="C00000"/>
+            </a:solidFill>
+          </a:ln>
+        </p:spPr>
+        <p:style>
+          <a:lnRef idx="2">
+            <a:schemeClr val="accent6"/>
+          </a:lnRef>
+          <a:fillRef idx="1">
+            <a:schemeClr val="lt1"/>
+          </a:fillRef>
+          <a:effectRef idx="0">
+            <a:schemeClr val="accent6"/>
+          </a:effectRef>
+          <a:fontRef idx="minor">
+            <a:schemeClr val="dk1"/>
+          </a:fontRef>
+        </p:style>
+        <p:txBody>
+          <a:bodyPr rtlCol="0" anchor="ctr"/>
+          <a:lstStyle/>
+          <a:p>
+            <a:pPr algn="ctr"/>
+            <a:endParaRPr lang="en-US"/>
           </a:p>
         </p:txBody>
       </p:sp>
       <p:sp>
         <p:nvSpPr>
-          <p:cNvPr id="3" name="Content Placeholder 2">
+          <p:cNvPr id="7" name="Rectangle 6">
             <a:extLst>
               <a:ext uri="{FF2B5EF4-FFF2-40B4-BE49-F238E27FC236}">
-                <a16:creationId xmlns:a16="http://schemas.microsoft.com/office/drawing/2014/main" id="{71D708CB-A12D-4309-BBFD-45FFDE0CB678}"/>
+                <a16:creationId xmlns:a16="http://schemas.microsoft.com/office/drawing/2014/main" id="{606DD656-62A2-4244-8B82-705B271580CD}"/>
               </a:ext>
             </a:extLst>
           </p:cNvPr>
-          <p:cNvSpPr>
-            <a:spLocks noGrp="1"/>
-          </p:cNvSpPr>
-          <p:nvPr>
-            <p:ph idx="1"/>
-          </p:nvPr>
+          <p:cNvSpPr/>
+          <p:nvPr/>
         </p:nvSpPr>
-        <p:spPr/>
+        <p:spPr>
+          <a:xfrm>
+            <a:off x="1994052" y="4195591"/>
+            <a:ext cx="9510559" cy="1958682"/>
+          </a:xfrm>
+          <a:prstGeom prst="rect">
+            <a:avLst/>
+          </a:prstGeom>
+          <a:noFill/>
+          <a:ln w="38100">
+            <a:solidFill>
+              <a:srgbClr val="C00000"/>
+            </a:solidFill>
+          </a:ln>
+        </p:spPr>
+        <p:style>
+          <a:lnRef idx="2">
+            <a:schemeClr val="accent6"/>
+          </a:lnRef>
+          <a:fillRef idx="1">
+            <a:schemeClr val="lt1"/>
+          </a:fillRef>
+          <a:effectRef idx="0">
+            <a:schemeClr val="accent6"/>
+          </a:effectRef>
+          <a:fontRef idx="minor">
+            <a:schemeClr val="dk1"/>
+          </a:fontRef>
+        </p:style>
         <p:txBody>
-          <a:bodyPr/>
+          <a:bodyPr rtlCol="0" anchor="ctr"/>
           <a:lstStyle/>
           <a:p>
+            <a:pPr algn="ctr"/>
             <a:endParaRPr lang="en-US"/>
           </a:p>
         </p:txBody>
@@ -11063,6 +11363,146 @@
   <p:clrMapOvr>
     <a:masterClrMapping/>
   </p:clrMapOvr>
+  <p:timing>
+    <p:tnLst>
+      <p:par>
+        <p:cTn id="1" dur="indefinite" restart="never" nodeType="tmRoot">
+          <p:childTnLst>
+            <p:seq concurrent="1" nextAc="seek">
+              <p:cTn id="2" dur="indefinite" nodeType="mainSeq">
+                <p:childTnLst>
+                  <p:par>
+                    <p:cTn id="3" fill="hold">
+                      <p:stCondLst>
+                        <p:cond delay="indefinite"/>
+                      </p:stCondLst>
+                      <p:childTnLst>
+                        <p:par>
+                          <p:cTn id="4" fill="hold">
+                            <p:stCondLst>
+                              <p:cond delay="0"/>
+                            </p:stCondLst>
+                            <p:childTnLst>
+                              <p:par>
+                                <p:cTn id="5" presetID="22" presetClass="entr" presetSubtype="4" fill="hold" grpId="0" nodeType="clickEffect">
+                                  <p:stCondLst>
+                                    <p:cond delay="0"/>
+                                  </p:stCondLst>
+                                  <p:childTnLst>
+                                    <p:set>
+                                      <p:cBhvr>
+                                        <p:cTn id="6" dur="1" fill="hold">
+                                          <p:stCondLst>
+                                            <p:cond delay="0"/>
+                                          </p:stCondLst>
+                                        </p:cTn>
+                                        <p:tgtEl>
+                                          <p:spTgt spid="6"/>
+                                        </p:tgtEl>
+                                        <p:attrNameLst>
+                                          <p:attrName>style.visibility</p:attrName>
+                                        </p:attrNameLst>
+                                      </p:cBhvr>
+                                      <p:to>
+                                        <p:strVal val="visible"/>
+                                      </p:to>
+                                    </p:set>
+                                    <p:animEffect transition="in" filter="wipe(down)">
+                                      <p:cBhvr>
+                                        <p:cTn id="7" dur="500"/>
+                                        <p:tgtEl>
+                                          <p:spTgt spid="6"/>
+                                        </p:tgtEl>
+                                      </p:cBhvr>
+                                    </p:animEffect>
+                                  </p:childTnLst>
+                                </p:cTn>
+                              </p:par>
+                            </p:childTnLst>
+                          </p:cTn>
+                        </p:par>
+                      </p:childTnLst>
+                    </p:cTn>
+                  </p:par>
+                  <p:par>
+                    <p:cTn id="8" fill="hold">
+                      <p:stCondLst>
+                        <p:cond delay="indefinite"/>
+                      </p:stCondLst>
+                      <p:childTnLst>
+                        <p:par>
+                          <p:cTn id="9" fill="hold">
+                            <p:stCondLst>
+                              <p:cond delay="0"/>
+                            </p:stCondLst>
+                            <p:childTnLst>
+                              <p:par>
+                                <p:cTn id="10" presetID="6" presetClass="entr" presetSubtype="16" fill="hold" grpId="0" nodeType="clickEffect">
+                                  <p:stCondLst>
+                                    <p:cond delay="0"/>
+                                  </p:stCondLst>
+                                  <p:childTnLst>
+                                    <p:set>
+                                      <p:cBhvr>
+                                        <p:cTn id="11" dur="1" fill="hold">
+                                          <p:stCondLst>
+                                            <p:cond delay="0"/>
+                                          </p:stCondLst>
+                                        </p:cTn>
+                                        <p:tgtEl>
+                                          <p:spTgt spid="7"/>
+                                        </p:tgtEl>
+                                        <p:attrNameLst>
+                                          <p:attrName>style.visibility</p:attrName>
+                                        </p:attrNameLst>
+                                      </p:cBhvr>
+                                      <p:to>
+                                        <p:strVal val="visible"/>
+                                      </p:to>
+                                    </p:set>
+                                    <p:animEffect transition="in" filter="circle(in)">
+                                      <p:cBhvr>
+                                        <p:cTn id="12" dur="2000"/>
+                                        <p:tgtEl>
+                                          <p:spTgt spid="7"/>
+                                        </p:tgtEl>
+                                      </p:cBhvr>
+                                    </p:animEffect>
+                                  </p:childTnLst>
+                                </p:cTn>
+                              </p:par>
+                            </p:childTnLst>
+                          </p:cTn>
+                        </p:par>
+                      </p:childTnLst>
+                    </p:cTn>
+                  </p:par>
+                </p:childTnLst>
+              </p:cTn>
+              <p:prevCondLst>
+                <p:cond evt="onPrev" delay="0">
+                  <p:tgtEl>
+                    <p:sldTgt/>
+                  </p:tgtEl>
+                </p:cond>
+              </p:prevCondLst>
+              <p:nextCondLst>
+                <p:cond evt="onNext" delay="0">
+                  <p:tgtEl>
+                    <p:sldTgt/>
+                  </p:tgtEl>
+                </p:cond>
+              </p:nextCondLst>
+            </p:seq>
+          </p:childTnLst>
+        </p:cTn>
+      </p:par>
+    </p:tnLst>
+    <p:bldLst>
+      <p:bldP spid="6" grpId="0" animBg="1"/>
+      <p:bldP spid="7" grpId="0" animBg="1"/>
+    </p:bldLst>
+  </p:timing>
 </p:sld>
 </file>
 
@@ -11105,18 +11545,647 @@
           <a:lstStyle/>
           <a:p>
             <a:r>
+              <a:rPr lang="en-US" altLang="zh-CN" dirty="0"/>
+              <a:t>Maven</a:t>
+            </a:r>
+            <a:r>
               <a:rPr lang="zh-CN" altLang="en-US" dirty="0"/>
-              <a:t>配置</a:t>
+              <a:t>配置文件</a:t>
             </a:r>
             <a:r>
               <a:rPr lang="en-US" altLang="zh-CN" dirty="0"/>
-              <a:t>idea</a:t>
+              <a:t>POM</a:t>
             </a:r>
-            <a:r>
-              <a:rPr lang="zh-CN" altLang="en-US" dirty="0"/>
-              <a:t>的过程截图</a:t>
-            </a:r>
+            <a:br>
+              <a:rPr lang="en-US" altLang="zh-CN" dirty="0"/>
+            </a:br>
             <a:endParaRPr lang="en-US" dirty="0"/>
+          </a:p>
+        </p:txBody>
+      </p:sp>
+      <p:pic>
+        <p:nvPicPr>
+          <p:cNvPr id="3" name="Picture 2">
+            <a:extLst>
+              <a:ext uri="{FF2B5EF4-FFF2-40B4-BE49-F238E27FC236}">
+                <a16:creationId xmlns:a16="http://schemas.microsoft.com/office/drawing/2014/main" id="{2ADEB172-44D0-42DB-8703-838823C23A70}"/>
+              </a:ext>
+            </a:extLst>
+          </p:cNvPr>
+          <p:cNvPicPr>
+            <a:picLocks noChangeAspect="1"/>
+          </p:cNvPicPr>
+          <p:nvPr/>
+        </p:nvPicPr>
+        <p:blipFill>
+          <a:blip r:embed="rId3"/>
+          <a:stretch>
+            <a:fillRect/>
+          </a:stretch>
+        </p:blipFill>
+        <p:spPr>
+          <a:xfrm>
+            <a:off x="2592925" y="1264555"/>
+            <a:ext cx="8063280" cy="5456179"/>
+          </a:xfrm>
+          <a:prstGeom prst="rect">
+            <a:avLst/>
+          </a:prstGeom>
+        </p:spPr>
+      </p:pic>
+      <p:sp>
+        <p:nvSpPr>
+          <p:cNvPr id="8" name="Rectangle 7">
+            <a:extLst>
+              <a:ext uri="{FF2B5EF4-FFF2-40B4-BE49-F238E27FC236}">
+                <a16:creationId xmlns:a16="http://schemas.microsoft.com/office/drawing/2014/main" id="{819DDBB2-DA11-463B-A65C-8A20853C1890}"/>
+              </a:ext>
+            </a:extLst>
+          </p:cNvPr>
+          <p:cNvSpPr/>
+          <p:nvPr/>
+        </p:nvSpPr>
+        <p:spPr>
+          <a:xfrm>
+            <a:off x="3437263" y="2495085"/>
+            <a:ext cx="1355074" cy="986246"/>
+          </a:xfrm>
+          <a:prstGeom prst="rect">
+            <a:avLst/>
+          </a:prstGeom>
+          <a:noFill/>
+          <a:ln w="38100">
+            <a:solidFill>
+              <a:srgbClr val="C00000"/>
+            </a:solidFill>
+          </a:ln>
+        </p:spPr>
+        <p:style>
+          <a:lnRef idx="2">
+            <a:schemeClr val="accent6"/>
+          </a:lnRef>
+          <a:fillRef idx="1">
+            <a:schemeClr val="lt1"/>
+          </a:fillRef>
+          <a:effectRef idx="0">
+            <a:schemeClr val="accent6"/>
+          </a:effectRef>
+          <a:fontRef idx="minor">
+            <a:schemeClr val="dk1"/>
+          </a:fontRef>
+        </p:style>
+        <p:txBody>
+          <a:bodyPr rtlCol="0" anchor="ctr"/>
+          <a:lstStyle/>
+          <a:p>
+            <a:pPr algn="ctr"/>
+            <a:endParaRPr lang="en-US"/>
+          </a:p>
+        </p:txBody>
+      </p:sp>
+      <p:sp>
+        <p:nvSpPr>
+          <p:cNvPr id="9" name="Rectangle 8">
+            <a:extLst>
+              <a:ext uri="{FF2B5EF4-FFF2-40B4-BE49-F238E27FC236}">
+                <a16:creationId xmlns:a16="http://schemas.microsoft.com/office/drawing/2014/main" id="{F925D45B-D945-4230-83CC-46FFDFF1D7CB}"/>
+              </a:ext>
+            </a:extLst>
+          </p:cNvPr>
+          <p:cNvSpPr/>
+          <p:nvPr/>
+        </p:nvSpPr>
+        <p:spPr>
+          <a:xfrm>
+            <a:off x="2983734" y="4388150"/>
+            <a:ext cx="1709451" cy="349103"/>
+          </a:xfrm>
+          <a:prstGeom prst="rect">
+            <a:avLst/>
+          </a:prstGeom>
+          <a:noFill/>
+          <a:ln w="38100">
+            <a:solidFill>
+              <a:srgbClr val="C00000"/>
+            </a:solidFill>
+          </a:ln>
+        </p:spPr>
+        <p:style>
+          <a:lnRef idx="2">
+            <a:schemeClr val="accent6"/>
+          </a:lnRef>
+          <a:fillRef idx="1">
+            <a:schemeClr val="lt1"/>
+          </a:fillRef>
+          <a:effectRef idx="0">
+            <a:schemeClr val="accent6"/>
+          </a:effectRef>
+          <a:fontRef idx="minor">
+            <a:schemeClr val="dk1"/>
+          </a:fontRef>
+        </p:style>
+        <p:txBody>
+          <a:bodyPr rtlCol="0" anchor="ctr"/>
+          <a:lstStyle/>
+          <a:p>
+            <a:pPr algn="ctr"/>
+            <a:endParaRPr lang="en-US"/>
+          </a:p>
+        </p:txBody>
+      </p:sp>
+    </p:spTree>
+    <p:extLst>
+      <p:ext uri="{BB962C8B-B14F-4D97-AF65-F5344CB8AC3E}">
+        <p14:creationId xmlns:p14="http://schemas.microsoft.com/office/powerpoint/2010/main" val="3637826212"/>
+      </p:ext>
+    </p:extLst>
+  </p:cSld>
+  <p:clrMapOvr>
+    <a:masterClrMapping/>
+  </p:clrMapOvr>
+  <p:timing>
+    <p:tnLst>
+      <p:par>
+        <p:cTn id="1" dur="indefinite" restart="never" nodeType="tmRoot">
+          <p:childTnLst>
+            <p:seq concurrent="1" nextAc="seek">
+              <p:cTn id="2" dur="indefinite" nodeType="mainSeq">
+                <p:childTnLst>
+                  <p:par>
+                    <p:cTn id="3" fill="hold">
+                      <p:stCondLst>
+                        <p:cond delay="indefinite"/>
+                      </p:stCondLst>
+                      <p:childTnLst>
+                        <p:par>
+                          <p:cTn id="4" fill="hold">
+                            <p:stCondLst>
+                              <p:cond delay="0"/>
+                            </p:stCondLst>
+                            <p:childTnLst>
+                              <p:par>
+                                <p:cTn id="5" presetID="1" presetClass="entr" presetSubtype="0" fill="hold" grpId="0" nodeType="clickEffect">
+                                  <p:stCondLst>
+                                    <p:cond delay="0"/>
+                                  </p:stCondLst>
+                                  <p:childTnLst>
+                                    <p:set>
+                                      <p:cBhvr>
+                                        <p:cTn id="6" dur="1" fill="hold">
+                                          <p:stCondLst>
+                                            <p:cond delay="0"/>
+                                          </p:stCondLst>
+                                        </p:cTn>
+                                        <p:tgtEl>
+                                          <p:spTgt spid="8"/>
+                                        </p:tgtEl>
+                                        <p:attrNameLst>
+                                          <p:attrName>style.visibility</p:attrName>
+                                        </p:attrNameLst>
+                                      </p:cBhvr>
+                                      <p:to>
+                                        <p:strVal val="visible"/>
+                                      </p:to>
+                                    </p:set>
+                                  </p:childTnLst>
+                                </p:cTn>
+                              </p:par>
+                            </p:childTnLst>
+                          </p:cTn>
+                        </p:par>
+                      </p:childTnLst>
+                    </p:cTn>
+                  </p:par>
+                  <p:par>
+                    <p:cTn id="7" fill="hold">
+                      <p:stCondLst>
+                        <p:cond delay="indefinite"/>
+                      </p:stCondLst>
+                      <p:childTnLst>
+                        <p:par>
+                          <p:cTn id="8" fill="hold">
+                            <p:stCondLst>
+                              <p:cond delay="0"/>
+                            </p:stCondLst>
+                            <p:childTnLst>
+                              <p:par>
+                                <p:cTn id="9" presetID="16" presetClass="entr" presetSubtype="21" fill="hold" grpId="0" nodeType="clickEffect">
+                                  <p:stCondLst>
+                                    <p:cond delay="0"/>
+                                  </p:stCondLst>
+                                  <p:childTnLst>
+                                    <p:set>
+                                      <p:cBhvr>
+                                        <p:cTn id="10" dur="1" fill="hold">
+                                          <p:stCondLst>
+                                            <p:cond delay="0"/>
+                                          </p:stCondLst>
+                                        </p:cTn>
+                                        <p:tgtEl>
+                                          <p:spTgt spid="9"/>
+                                        </p:tgtEl>
+                                        <p:attrNameLst>
+                                          <p:attrName>style.visibility</p:attrName>
+                                        </p:attrNameLst>
+                                      </p:cBhvr>
+                                      <p:to>
+                                        <p:strVal val="visible"/>
+                                      </p:to>
+                                    </p:set>
+                                    <p:animEffect transition="in" filter="barn(inVertical)">
+                                      <p:cBhvr>
+                                        <p:cTn id="11" dur="500"/>
+                                        <p:tgtEl>
+                                          <p:spTgt spid="9"/>
+                                        </p:tgtEl>
+                                      </p:cBhvr>
+                                    </p:animEffect>
+                                  </p:childTnLst>
+                                </p:cTn>
+                              </p:par>
+                            </p:childTnLst>
+                          </p:cTn>
+                        </p:par>
+                      </p:childTnLst>
+                    </p:cTn>
+                  </p:par>
+                </p:childTnLst>
+              </p:cTn>
+              <p:prevCondLst>
+                <p:cond evt="onPrev" delay="0">
+                  <p:tgtEl>
+                    <p:sldTgt/>
+                  </p:tgtEl>
+                </p:cond>
+              </p:prevCondLst>
+              <p:nextCondLst>
+                <p:cond evt="onNext" delay="0">
+                  <p:tgtEl>
+                    <p:sldTgt/>
+                  </p:tgtEl>
+                </p:cond>
+              </p:nextCondLst>
+            </p:seq>
+          </p:childTnLst>
+        </p:cTn>
+      </p:par>
+    </p:tnLst>
+    <p:bldLst>
+      <p:bldP spid="8" grpId="0" animBg="1"/>
+      <p:bldP spid="9" grpId="0" animBg="1"/>
+    </p:bldLst>
+  </p:timing>
+</p:sld>
+</file>
+
+<file path=ppt/slides/slide13.xml><?xml version="1.0" encoding="utf-8"?>
+<p:sld xmlns:a="http://schemas.openxmlformats.org/drawingml/2006/main" xmlns:r="http://schemas.openxmlformats.org/officeDocument/2006/relationships" xmlns:p="http://schemas.openxmlformats.org/presentationml/2006/main">
+  <p:cSld>
+    <p:spTree>
+      <p:nvGrpSpPr>
+        <p:cNvPr id="1" name=""/>
+        <p:cNvGrpSpPr/>
+        <p:nvPr/>
+      </p:nvGrpSpPr>
+      <p:grpSpPr>
+        <a:xfrm>
+          <a:off x="0" y="0"/>
+          <a:ext cx="0" cy="0"/>
+          <a:chOff x="0" y="0"/>
+          <a:chExt cx="0" cy="0"/>
+        </a:xfrm>
+      </p:grpSpPr>
+      <p:sp>
+        <p:nvSpPr>
+          <p:cNvPr id="2" name="Title 1">
+            <a:extLst>
+              <a:ext uri="{FF2B5EF4-FFF2-40B4-BE49-F238E27FC236}">
+                <a16:creationId xmlns:a16="http://schemas.microsoft.com/office/drawing/2014/main" id="{5341E9DF-D5B9-4E0D-BC4C-E6CACE2F3388}"/>
+              </a:ext>
+            </a:extLst>
+          </p:cNvPr>
+          <p:cNvSpPr>
+            <a:spLocks noGrp="1"/>
+          </p:cNvSpPr>
+          <p:nvPr>
+            <p:ph type="title"/>
+          </p:nvPr>
+        </p:nvSpPr>
+        <p:spPr>
+          <a:xfrm>
+            <a:off x="1689542" y="624110"/>
+            <a:ext cx="8911687" cy="1280890"/>
+          </a:xfrm>
+        </p:spPr>
+        <p:txBody>
+          <a:bodyPr/>
+          <a:lstStyle/>
+          <a:p>
+            <a:endParaRPr lang="en-US" dirty="0"/>
+          </a:p>
+        </p:txBody>
+      </p:sp>
+      <p:pic>
+        <p:nvPicPr>
+          <p:cNvPr id="4" name="Picture 3">
+            <a:extLst>
+              <a:ext uri="{FF2B5EF4-FFF2-40B4-BE49-F238E27FC236}">
+                <a16:creationId xmlns:a16="http://schemas.microsoft.com/office/drawing/2014/main" id="{7C24B54B-FDFC-46AB-9359-F443C41FC966}"/>
+              </a:ext>
+            </a:extLst>
+          </p:cNvPr>
+          <p:cNvPicPr>
+            <a:picLocks noChangeAspect="1"/>
+          </p:cNvPicPr>
+          <p:nvPr/>
+        </p:nvPicPr>
+        <p:blipFill>
+          <a:blip r:embed="rId2"/>
+          <a:stretch>
+            <a:fillRect/>
+          </a:stretch>
+        </p:blipFill>
+        <p:spPr>
+          <a:xfrm>
+            <a:off x="1835151" y="317103"/>
+            <a:ext cx="8104334" cy="5940477"/>
+          </a:xfrm>
+          <a:prstGeom prst="rect">
+            <a:avLst/>
+          </a:prstGeom>
+        </p:spPr>
+      </p:pic>
+      <p:sp>
+        <p:nvSpPr>
+          <p:cNvPr id="5" name="Rectangle 4">
+            <a:extLst>
+              <a:ext uri="{FF2B5EF4-FFF2-40B4-BE49-F238E27FC236}">
+                <a16:creationId xmlns:a16="http://schemas.microsoft.com/office/drawing/2014/main" id="{6F4069D3-A597-461E-A9DD-EE382B5D38CC}"/>
+              </a:ext>
+            </a:extLst>
+          </p:cNvPr>
+          <p:cNvSpPr/>
+          <p:nvPr/>
+        </p:nvSpPr>
+        <p:spPr>
+          <a:xfrm>
+            <a:off x="7574460" y="5795733"/>
+            <a:ext cx="1233888" cy="330506"/>
+          </a:xfrm>
+          <a:prstGeom prst="rect">
+            <a:avLst/>
+          </a:prstGeom>
+          <a:noFill/>
+          <a:ln w="38100">
+            <a:solidFill>
+              <a:srgbClr val="C00000"/>
+            </a:solidFill>
+          </a:ln>
+        </p:spPr>
+        <p:style>
+          <a:lnRef idx="2">
+            <a:schemeClr val="accent6"/>
+          </a:lnRef>
+          <a:fillRef idx="1">
+            <a:schemeClr val="lt1"/>
+          </a:fillRef>
+          <a:effectRef idx="0">
+            <a:schemeClr val="accent6"/>
+          </a:effectRef>
+          <a:fontRef idx="minor">
+            <a:schemeClr val="dk1"/>
+          </a:fontRef>
+        </p:style>
+        <p:txBody>
+          <a:bodyPr rtlCol="0" anchor="ctr"/>
+          <a:lstStyle/>
+          <a:p>
+            <a:pPr algn="ctr"/>
+            <a:endParaRPr lang="en-US"/>
+          </a:p>
+        </p:txBody>
+      </p:sp>
+      <p:pic>
+        <p:nvPicPr>
+          <p:cNvPr id="8" name="Picture 7">
+            <a:extLst>
+              <a:ext uri="{FF2B5EF4-FFF2-40B4-BE49-F238E27FC236}">
+                <a16:creationId xmlns:a16="http://schemas.microsoft.com/office/drawing/2014/main" id="{FDD2733C-C181-4F2A-A691-CA05F2B77477}"/>
+              </a:ext>
+            </a:extLst>
+          </p:cNvPr>
+          <p:cNvPicPr>
+            <a:picLocks noChangeAspect="1"/>
+          </p:cNvPicPr>
+          <p:nvPr/>
+        </p:nvPicPr>
+        <p:blipFill>
+          <a:blip r:embed="rId3"/>
+          <a:stretch>
+            <a:fillRect/>
+          </a:stretch>
+        </p:blipFill>
+        <p:spPr>
+          <a:xfrm>
+            <a:off x="8191404" y="3341611"/>
+            <a:ext cx="2409825" cy="2619375"/>
+          </a:xfrm>
+          <a:prstGeom prst="rect">
+            <a:avLst/>
+          </a:prstGeom>
+        </p:spPr>
+      </p:pic>
+    </p:spTree>
+    <p:extLst>
+      <p:ext uri="{BB962C8B-B14F-4D97-AF65-F5344CB8AC3E}">
+        <p14:creationId xmlns:p14="http://schemas.microsoft.com/office/powerpoint/2010/main" val="3798055308"/>
+      </p:ext>
+    </p:extLst>
+  </p:cSld>
+  <p:clrMapOvr>
+    <a:masterClrMapping/>
+  </p:clrMapOvr>
+  <p:timing>
+    <p:tnLst>
+      <p:par>
+        <p:cTn id="1" dur="indefinite" restart="never" nodeType="tmRoot">
+          <p:childTnLst>
+            <p:seq concurrent="1" nextAc="seek">
+              <p:cTn id="2" dur="indefinite" nodeType="mainSeq">
+                <p:childTnLst>
+                  <p:par>
+                    <p:cTn id="3" fill="hold">
+                      <p:stCondLst>
+                        <p:cond delay="indefinite"/>
+                      </p:stCondLst>
+                      <p:childTnLst>
+                        <p:par>
+                          <p:cTn id="4" fill="hold">
+                            <p:stCondLst>
+                              <p:cond delay="0"/>
+                            </p:stCondLst>
+                            <p:childTnLst>
+                              <p:par>
+                                <p:cTn id="5" presetID="22" presetClass="entr" presetSubtype="4" fill="hold" grpId="0" nodeType="clickEffect">
+                                  <p:stCondLst>
+                                    <p:cond delay="0"/>
+                                  </p:stCondLst>
+                                  <p:childTnLst>
+                                    <p:set>
+                                      <p:cBhvr>
+                                        <p:cTn id="6" dur="1" fill="hold">
+                                          <p:stCondLst>
+                                            <p:cond delay="0"/>
+                                          </p:stCondLst>
+                                        </p:cTn>
+                                        <p:tgtEl>
+                                          <p:spTgt spid="5"/>
+                                        </p:tgtEl>
+                                        <p:attrNameLst>
+                                          <p:attrName>style.visibility</p:attrName>
+                                        </p:attrNameLst>
+                                      </p:cBhvr>
+                                      <p:to>
+                                        <p:strVal val="visible"/>
+                                      </p:to>
+                                    </p:set>
+                                    <p:animEffect transition="in" filter="wipe(down)">
+                                      <p:cBhvr>
+                                        <p:cTn id="7" dur="500"/>
+                                        <p:tgtEl>
+                                          <p:spTgt spid="5"/>
+                                        </p:tgtEl>
+                                      </p:cBhvr>
+                                    </p:animEffect>
+                                  </p:childTnLst>
+                                </p:cTn>
+                              </p:par>
+                            </p:childTnLst>
+                          </p:cTn>
+                        </p:par>
+                      </p:childTnLst>
+                    </p:cTn>
+                  </p:par>
+                  <p:par>
+                    <p:cTn id="8" fill="hold">
+                      <p:stCondLst>
+                        <p:cond delay="indefinite"/>
+                      </p:stCondLst>
+                      <p:childTnLst>
+                        <p:par>
+                          <p:cTn id="9" fill="hold">
+                            <p:stCondLst>
+                              <p:cond delay="0"/>
+                            </p:stCondLst>
+                            <p:childTnLst>
+                              <p:par>
+                                <p:cTn id="10" presetID="22" presetClass="entr" presetSubtype="4" fill="hold" nodeType="clickEffect">
+                                  <p:stCondLst>
+                                    <p:cond delay="0"/>
+                                  </p:stCondLst>
+                                  <p:childTnLst>
+                                    <p:set>
+                                      <p:cBhvr>
+                                        <p:cTn id="11" dur="1" fill="hold">
+                                          <p:stCondLst>
+                                            <p:cond delay="0"/>
+                                          </p:stCondLst>
+                                        </p:cTn>
+                                        <p:tgtEl>
+                                          <p:spTgt spid="8"/>
+                                        </p:tgtEl>
+                                        <p:attrNameLst>
+                                          <p:attrName>style.visibility</p:attrName>
+                                        </p:attrNameLst>
+                                      </p:cBhvr>
+                                      <p:to>
+                                        <p:strVal val="visible"/>
+                                      </p:to>
+                                    </p:set>
+                                    <p:animEffect transition="in" filter="wipe(down)">
+                                      <p:cBhvr>
+                                        <p:cTn id="12" dur="500"/>
+                                        <p:tgtEl>
+                                          <p:spTgt spid="8"/>
+                                        </p:tgtEl>
+                                      </p:cBhvr>
+                                    </p:animEffect>
+                                  </p:childTnLst>
+                                </p:cTn>
+                              </p:par>
+                            </p:childTnLst>
+                          </p:cTn>
+                        </p:par>
+                      </p:childTnLst>
+                    </p:cTn>
+                  </p:par>
+                </p:childTnLst>
+              </p:cTn>
+              <p:prevCondLst>
+                <p:cond evt="onPrev" delay="0">
+                  <p:tgtEl>
+                    <p:sldTgt/>
+                  </p:tgtEl>
+                </p:cond>
+              </p:prevCondLst>
+              <p:nextCondLst>
+                <p:cond evt="onNext" delay="0">
+                  <p:tgtEl>
+                    <p:sldTgt/>
+                  </p:tgtEl>
+                </p:cond>
+              </p:nextCondLst>
+            </p:seq>
+          </p:childTnLst>
+        </p:cTn>
+      </p:par>
+    </p:tnLst>
+    <p:bldLst>
+      <p:bldP spid="5" grpId="0" animBg="1"/>
+    </p:bldLst>
+  </p:timing>
+</p:sld>
+</file>
+
+<file path=ppt/slides/slide14.xml><?xml version="1.0" encoding="utf-8"?>
+<p:sld xmlns:a="http://schemas.openxmlformats.org/drawingml/2006/main" xmlns:r="http://schemas.openxmlformats.org/officeDocument/2006/relationships" xmlns:p="http://schemas.openxmlformats.org/presentationml/2006/main">
+  <p:cSld>
+    <p:spTree>
+      <p:nvGrpSpPr>
+        <p:cNvPr id="1" name=""/>
+        <p:cNvGrpSpPr/>
+        <p:nvPr/>
+      </p:nvGrpSpPr>
+      <p:grpSpPr>
+        <a:xfrm>
+          <a:off x="0" y="0"/>
+          <a:ext cx="0" cy="0"/>
+          <a:chOff x="0" y="0"/>
+          <a:chExt cx="0" cy="0"/>
+        </a:xfrm>
+      </p:grpSpPr>
+      <p:sp>
+        <p:nvSpPr>
+          <p:cNvPr id="2" name="Title 1">
+            <a:extLst>
+              <a:ext uri="{FF2B5EF4-FFF2-40B4-BE49-F238E27FC236}">
+                <a16:creationId xmlns:a16="http://schemas.microsoft.com/office/drawing/2014/main" id="{ED856600-74CD-453C-9570-951C56BD1E83}"/>
+              </a:ext>
+            </a:extLst>
+          </p:cNvPr>
+          <p:cNvSpPr>
+            <a:spLocks noGrp="1"/>
+          </p:cNvSpPr>
+          <p:nvPr>
+            <p:ph type="title"/>
+          </p:nvPr>
+        </p:nvSpPr>
+        <p:spPr/>
+        <p:txBody>
+          <a:bodyPr/>
+          <a:lstStyle/>
+          <a:p>
+            <a:endParaRPr lang="en-US"/>
           </a:p>
         </p:txBody>
       </p:sp>
@@ -11125,7 +12194,7 @@
           <p:cNvPr id="3" name="Content Placeholder 2">
             <a:extLst>
               <a:ext uri="{FF2B5EF4-FFF2-40B4-BE49-F238E27FC236}">
-                <a16:creationId xmlns:a16="http://schemas.microsoft.com/office/drawing/2014/main" id="{71D708CB-A12D-4309-BBFD-45FFDE0CB678}"/>
+                <a16:creationId xmlns:a16="http://schemas.microsoft.com/office/drawing/2014/main" id="{3EE8DFCD-96D1-461F-BFA0-559AFA5BB20A}"/>
               </a:ext>
             </a:extLst>
           </p:cNvPr>
@@ -11148,7 +12217,7 @@
     </p:spTree>
     <p:extLst>
       <p:ext uri="{BB962C8B-B14F-4D97-AF65-F5344CB8AC3E}">
-        <p14:creationId xmlns:p14="http://schemas.microsoft.com/office/powerpoint/2010/main" val="3798055308"/>
+        <p14:creationId xmlns:p14="http://schemas.microsoft.com/office/powerpoint/2010/main" val="954139547"/>
       </p:ext>
     </p:extLst>
   </p:cSld>
@@ -11158,7 +12227,7 @@
 </p:sld>
 </file>
 
-<file path=ppt/slides/slide13.xml><?xml version="1.0" encoding="utf-8"?>
+<file path=ppt/slides/slide15.xml><?xml version="1.0" encoding="utf-8"?>
 <p:sld xmlns:a="http://schemas.openxmlformats.org/drawingml/2006/main" xmlns:r="http://schemas.openxmlformats.org/officeDocument/2006/relationships" xmlns:p="http://schemas.openxmlformats.org/presentationml/2006/main">
   <p:cSld>
     <p:spTree>
@@ -11257,7 +12326,14 @@
           <a:p>
             <a:r>
               <a:rPr lang="en-US" dirty="0" err="1"/>
-              <a:t>findbugs</a:t>
+              <a:t>Findbugs</a:t>
+            </a:r>
+            <a:endParaRPr lang="en-US" dirty="0"/>
+          </a:p>
+          <a:p>
+            <a:r>
+              <a:rPr lang="en-US" altLang="zh-CN" dirty="0"/>
+              <a:t>Alibaba Java Coding Guidelines</a:t>
             </a:r>
             <a:endParaRPr lang="en-US" dirty="0"/>
           </a:p>
@@ -11276,7 +12352,7 @@
 </p:sld>
 </file>
 
-<file path=ppt/slides/slide14.xml><?xml version="1.0" encoding="utf-8"?>
+<file path=ppt/slides/slide16.xml><?xml version="1.0" encoding="utf-8"?>
 <p:sld xmlns:a="http://schemas.openxmlformats.org/drawingml/2006/main" xmlns:r="http://schemas.openxmlformats.org/officeDocument/2006/relationships" xmlns:p="http://schemas.openxmlformats.org/presentationml/2006/main">
   <p:cSld>
     <p:spTree>
@@ -11459,7 +12535,7 @@
 </p:sld>
 </file>
 
-<file path=ppt/slides/slide15.xml><?xml version="1.0" encoding="utf-8"?>
+<file path=ppt/slides/slide17.xml><?xml version="1.0" encoding="utf-8"?>
 <p:sld xmlns:a="http://schemas.openxmlformats.org/drawingml/2006/main" xmlns:r="http://schemas.openxmlformats.org/officeDocument/2006/relationships" xmlns:p="http://schemas.openxmlformats.org/presentationml/2006/main">
   <p:cSld>
     <p:spTree>
@@ -11807,174 +12883,6 @@
 </p:sld>
 </file>
 
-<file path=ppt/slides/slide16.xml><?xml version="1.0" encoding="utf-8"?>
-<p:sld xmlns:a="http://schemas.openxmlformats.org/drawingml/2006/main" xmlns:r="http://schemas.openxmlformats.org/officeDocument/2006/relationships" xmlns:p="http://schemas.openxmlformats.org/presentationml/2006/main">
-  <p:cSld>
-    <p:spTree>
-      <p:nvGrpSpPr>
-        <p:cNvPr id="1" name=""/>
-        <p:cNvGrpSpPr/>
-        <p:nvPr/>
-      </p:nvGrpSpPr>
-      <p:grpSpPr>
-        <a:xfrm>
-          <a:off x="0" y="0"/>
-          <a:ext cx="0" cy="0"/>
-          <a:chOff x="0" y="0"/>
-          <a:chExt cx="0" cy="0"/>
-        </a:xfrm>
-      </p:grpSpPr>
-      <p:sp>
-        <p:nvSpPr>
-          <p:cNvPr id="2" name="Title 1">
-            <a:extLst>
-              <a:ext uri="{FF2B5EF4-FFF2-40B4-BE49-F238E27FC236}">
-                <a16:creationId xmlns:a16="http://schemas.microsoft.com/office/drawing/2014/main" id="{693E6919-C02F-46A1-8A89-DBD8A0DB790A}"/>
-              </a:ext>
-            </a:extLst>
-          </p:cNvPr>
-          <p:cNvSpPr>
-            <a:spLocks noGrp="1"/>
-          </p:cNvSpPr>
-          <p:nvPr>
-            <p:ph type="title"/>
-          </p:nvPr>
-        </p:nvSpPr>
-        <p:spPr/>
-        <p:txBody>
-          <a:bodyPr/>
-          <a:lstStyle/>
-          <a:p>
-            <a:r>
-              <a:rPr lang="zh-CN" altLang="en-US" dirty="0"/>
-              <a:t>创建工程截图</a:t>
-            </a:r>
-            <a:endParaRPr lang="en-US" dirty="0"/>
-          </a:p>
-        </p:txBody>
-      </p:sp>
-      <p:sp>
-        <p:nvSpPr>
-          <p:cNvPr id="3" name="Content Placeholder 2">
-            <a:extLst>
-              <a:ext uri="{FF2B5EF4-FFF2-40B4-BE49-F238E27FC236}">
-                <a16:creationId xmlns:a16="http://schemas.microsoft.com/office/drawing/2014/main" id="{1D92761B-955E-4892-98BD-B97CE7CCAEA6}"/>
-              </a:ext>
-            </a:extLst>
-          </p:cNvPr>
-          <p:cNvSpPr>
-            <a:spLocks noGrp="1"/>
-          </p:cNvSpPr>
-          <p:nvPr>
-            <p:ph idx="1"/>
-          </p:nvPr>
-        </p:nvSpPr>
-        <p:spPr/>
-        <p:txBody>
-          <a:bodyPr/>
-          <a:lstStyle/>
-          <a:p>
-            <a:endParaRPr lang="en-US" dirty="0"/>
-          </a:p>
-        </p:txBody>
-      </p:sp>
-    </p:spTree>
-    <p:extLst>
-      <p:ext uri="{BB962C8B-B14F-4D97-AF65-F5344CB8AC3E}">
-        <p14:creationId xmlns:p14="http://schemas.microsoft.com/office/powerpoint/2010/main" val="2859757319"/>
-      </p:ext>
-    </p:extLst>
-  </p:cSld>
-  <p:clrMapOvr>
-    <a:masterClrMapping/>
-  </p:clrMapOvr>
-</p:sld>
-</file>
-
-<file path=ppt/slides/slide17.xml><?xml version="1.0" encoding="utf-8"?>
-<p:sld xmlns:a="http://schemas.openxmlformats.org/drawingml/2006/main" xmlns:r="http://schemas.openxmlformats.org/officeDocument/2006/relationships" xmlns:p="http://schemas.openxmlformats.org/presentationml/2006/main">
-  <p:cSld>
-    <p:spTree>
-      <p:nvGrpSpPr>
-        <p:cNvPr id="1" name=""/>
-        <p:cNvGrpSpPr/>
-        <p:nvPr/>
-      </p:nvGrpSpPr>
-      <p:grpSpPr>
-        <a:xfrm>
-          <a:off x="0" y="0"/>
-          <a:ext cx="0" cy="0"/>
-          <a:chOff x="0" y="0"/>
-          <a:chExt cx="0" cy="0"/>
-        </a:xfrm>
-      </p:grpSpPr>
-      <p:sp>
-        <p:nvSpPr>
-          <p:cNvPr id="2" name="Title 1">
-            <a:extLst>
-              <a:ext uri="{FF2B5EF4-FFF2-40B4-BE49-F238E27FC236}">
-                <a16:creationId xmlns:a16="http://schemas.microsoft.com/office/drawing/2014/main" id="{693E6919-C02F-46A1-8A89-DBD8A0DB790A}"/>
-              </a:ext>
-            </a:extLst>
-          </p:cNvPr>
-          <p:cNvSpPr>
-            <a:spLocks noGrp="1"/>
-          </p:cNvSpPr>
-          <p:nvPr>
-            <p:ph type="title"/>
-          </p:nvPr>
-        </p:nvSpPr>
-        <p:spPr/>
-        <p:txBody>
-          <a:bodyPr/>
-          <a:lstStyle/>
-          <a:p>
-            <a:r>
-              <a:rPr lang="zh-CN" altLang="en-US" dirty="0"/>
-              <a:t>配置依赖截图</a:t>
-            </a:r>
-            <a:endParaRPr lang="en-US" dirty="0"/>
-          </a:p>
-        </p:txBody>
-      </p:sp>
-      <p:sp>
-        <p:nvSpPr>
-          <p:cNvPr id="3" name="Content Placeholder 2">
-            <a:extLst>
-              <a:ext uri="{FF2B5EF4-FFF2-40B4-BE49-F238E27FC236}">
-                <a16:creationId xmlns:a16="http://schemas.microsoft.com/office/drawing/2014/main" id="{1D92761B-955E-4892-98BD-B97CE7CCAEA6}"/>
-              </a:ext>
-            </a:extLst>
-          </p:cNvPr>
-          <p:cNvSpPr>
-            <a:spLocks noGrp="1"/>
-          </p:cNvSpPr>
-          <p:nvPr>
-            <p:ph idx="1"/>
-          </p:nvPr>
-        </p:nvSpPr>
-        <p:spPr/>
-        <p:txBody>
-          <a:bodyPr/>
-          <a:lstStyle/>
-          <a:p>
-            <a:endParaRPr lang="en-US"/>
-          </a:p>
-        </p:txBody>
-      </p:sp>
-    </p:spTree>
-    <p:extLst>
-      <p:ext uri="{BB962C8B-B14F-4D97-AF65-F5344CB8AC3E}">
-        <p14:creationId xmlns:p14="http://schemas.microsoft.com/office/powerpoint/2010/main" val="1390151968"/>
-      </p:ext>
-    </p:extLst>
-  </p:cSld>
-  <p:clrMapOvr>
-    <a:masterClrMapping/>
-  </p:clrMapOvr>
-</p:sld>
-</file>
-
 <file path=ppt/slides/slide18.xml><?xml version="1.0" encoding="utf-8"?>
 <p:sld xmlns:a="http://schemas.openxmlformats.org/drawingml/2006/main" xmlns:r="http://schemas.openxmlformats.org/officeDocument/2006/relationships" xmlns:p="http://schemas.openxmlformats.org/presentationml/2006/main">
   <p:cSld>
@@ -12015,7 +12923,7 @@
           <a:p>
             <a:r>
               <a:rPr lang="zh-CN" altLang="en-US" dirty="0"/>
-              <a:t>新建启动类截图</a:t>
+              <a:t>创建工程截图</a:t>
             </a:r>
             <a:endParaRPr lang="en-US" dirty="0"/>
           </a:p>
@@ -12042,14 +12950,14 @@
           <a:bodyPr/>
           <a:lstStyle/>
           <a:p>
-            <a:endParaRPr lang="en-US"/>
+            <a:endParaRPr lang="en-US" dirty="0"/>
           </a:p>
         </p:txBody>
       </p:sp>
     </p:spTree>
     <p:extLst>
       <p:ext uri="{BB962C8B-B14F-4D97-AF65-F5344CB8AC3E}">
-        <p14:creationId xmlns:p14="http://schemas.microsoft.com/office/powerpoint/2010/main" val="150212915"/>
+        <p14:creationId xmlns:p14="http://schemas.microsoft.com/office/powerpoint/2010/main" val="2859757319"/>
       </p:ext>
     </p:extLst>
   </p:cSld>
@@ -12099,15 +13007,7 @@
           <a:p>
             <a:r>
               <a:rPr lang="zh-CN" altLang="en-US" dirty="0"/>
-              <a:t>新建</a:t>
-            </a:r>
-            <a:r>
-              <a:rPr lang="en-US" altLang="zh-CN" dirty="0"/>
-              <a:t>Controller</a:t>
-            </a:r>
-            <a:r>
-              <a:rPr lang="zh-CN" altLang="en-US" dirty="0"/>
-              <a:t>截图</a:t>
+              <a:t>配置依赖截图</a:t>
             </a:r>
             <a:endParaRPr lang="en-US" dirty="0"/>
           </a:p>
@@ -12141,7 +13041,7 @@
     </p:spTree>
     <p:extLst>
       <p:ext uri="{BB962C8B-B14F-4D97-AF65-F5344CB8AC3E}">
-        <p14:creationId xmlns:p14="http://schemas.microsoft.com/office/powerpoint/2010/main" val="1380125890"/>
+        <p14:creationId xmlns:p14="http://schemas.microsoft.com/office/powerpoint/2010/main" val="1390151968"/>
       </p:ext>
     </p:extLst>
   </p:cSld>
@@ -12371,7 +13271,7 @@
           <a:p>
             <a:r>
               <a:rPr lang="zh-CN" altLang="en-US" dirty="0"/>
-              <a:t>新建配置文件截图</a:t>
+              <a:t>新建启动类截图</a:t>
             </a:r>
             <a:endParaRPr lang="en-US" dirty="0"/>
           </a:p>
@@ -12405,7 +13305,7 @@
     </p:spTree>
     <p:extLst>
       <p:ext uri="{BB962C8B-B14F-4D97-AF65-F5344CB8AC3E}">
-        <p14:creationId xmlns:p14="http://schemas.microsoft.com/office/powerpoint/2010/main" val="2828857302"/>
+        <p14:creationId xmlns:p14="http://schemas.microsoft.com/office/powerpoint/2010/main" val="150212915"/>
       </p:ext>
     </p:extLst>
   </p:cSld>
@@ -12455,7 +13355,15 @@
           <a:p>
             <a:r>
               <a:rPr lang="zh-CN" altLang="en-US" dirty="0"/>
-              <a:t>测试执行截图</a:t>
+              <a:t>新建</a:t>
+            </a:r>
+            <a:r>
+              <a:rPr lang="en-US" altLang="zh-CN" dirty="0"/>
+              <a:t>Controller</a:t>
+            </a:r>
+            <a:r>
+              <a:rPr lang="zh-CN" altLang="en-US" dirty="0"/>
+              <a:t>截图</a:t>
             </a:r>
             <a:endParaRPr lang="en-US" dirty="0"/>
           </a:p>
@@ -12489,6 +13397,174 @@
     </p:spTree>
     <p:extLst>
       <p:ext uri="{BB962C8B-B14F-4D97-AF65-F5344CB8AC3E}">
+        <p14:creationId xmlns:p14="http://schemas.microsoft.com/office/powerpoint/2010/main" val="1380125890"/>
+      </p:ext>
+    </p:extLst>
+  </p:cSld>
+  <p:clrMapOvr>
+    <a:masterClrMapping/>
+  </p:clrMapOvr>
+</p:sld>
+</file>
+
+<file path=ppt/slides/slide22.xml><?xml version="1.0" encoding="utf-8"?>
+<p:sld xmlns:a="http://schemas.openxmlformats.org/drawingml/2006/main" xmlns:r="http://schemas.openxmlformats.org/officeDocument/2006/relationships" xmlns:p="http://schemas.openxmlformats.org/presentationml/2006/main">
+  <p:cSld>
+    <p:spTree>
+      <p:nvGrpSpPr>
+        <p:cNvPr id="1" name=""/>
+        <p:cNvGrpSpPr/>
+        <p:nvPr/>
+      </p:nvGrpSpPr>
+      <p:grpSpPr>
+        <a:xfrm>
+          <a:off x="0" y="0"/>
+          <a:ext cx="0" cy="0"/>
+          <a:chOff x="0" y="0"/>
+          <a:chExt cx="0" cy="0"/>
+        </a:xfrm>
+      </p:grpSpPr>
+      <p:sp>
+        <p:nvSpPr>
+          <p:cNvPr id="2" name="Title 1">
+            <a:extLst>
+              <a:ext uri="{FF2B5EF4-FFF2-40B4-BE49-F238E27FC236}">
+                <a16:creationId xmlns:a16="http://schemas.microsoft.com/office/drawing/2014/main" id="{693E6919-C02F-46A1-8A89-DBD8A0DB790A}"/>
+              </a:ext>
+            </a:extLst>
+          </p:cNvPr>
+          <p:cNvSpPr>
+            <a:spLocks noGrp="1"/>
+          </p:cNvSpPr>
+          <p:nvPr>
+            <p:ph type="title"/>
+          </p:nvPr>
+        </p:nvSpPr>
+        <p:spPr/>
+        <p:txBody>
+          <a:bodyPr/>
+          <a:lstStyle/>
+          <a:p>
+            <a:r>
+              <a:rPr lang="zh-CN" altLang="en-US" dirty="0"/>
+              <a:t>新建配置文件截图</a:t>
+            </a:r>
+            <a:endParaRPr lang="en-US" dirty="0"/>
+          </a:p>
+        </p:txBody>
+      </p:sp>
+      <p:sp>
+        <p:nvSpPr>
+          <p:cNvPr id="3" name="Content Placeholder 2">
+            <a:extLst>
+              <a:ext uri="{FF2B5EF4-FFF2-40B4-BE49-F238E27FC236}">
+                <a16:creationId xmlns:a16="http://schemas.microsoft.com/office/drawing/2014/main" id="{1D92761B-955E-4892-98BD-B97CE7CCAEA6}"/>
+              </a:ext>
+            </a:extLst>
+          </p:cNvPr>
+          <p:cNvSpPr>
+            <a:spLocks noGrp="1"/>
+          </p:cNvSpPr>
+          <p:nvPr>
+            <p:ph idx="1"/>
+          </p:nvPr>
+        </p:nvSpPr>
+        <p:spPr/>
+        <p:txBody>
+          <a:bodyPr/>
+          <a:lstStyle/>
+          <a:p>
+            <a:endParaRPr lang="en-US"/>
+          </a:p>
+        </p:txBody>
+      </p:sp>
+    </p:spTree>
+    <p:extLst>
+      <p:ext uri="{BB962C8B-B14F-4D97-AF65-F5344CB8AC3E}">
+        <p14:creationId xmlns:p14="http://schemas.microsoft.com/office/powerpoint/2010/main" val="2828857302"/>
+      </p:ext>
+    </p:extLst>
+  </p:cSld>
+  <p:clrMapOvr>
+    <a:masterClrMapping/>
+  </p:clrMapOvr>
+</p:sld>
+</file>
+
+<file path=ppt/slides/slide23.xml><?xml version="1.0" encoding="utf-8"?>
+<p:sld xmlns:a="http://schemas.openxmlformats.org/drawingml/2006/main" xmlns:r="http://schemas.openxmlformats.org/officeDocument/2006/relationships" xmlns:p="http://schemas.openxmlformats.org/presentationml/2006/main">
+  <p:cSld>
+    <p:spTree>
+      <p:nvGrpSpPr>
+        <p:cNvPr id="1" name=""/>
+        <p:cNvGrpSpPr/>
+        <p:nvPr/>
+      </p:nvGrpSpPr>
+      <p:grpSpPr>
+        <a:xfrm>
+          <a:off x="0" y="0"/>
+          <a:ext cx="0" cy="0"/>
+          <a:chOff x="0" y="0"/>
+          <a:chExt cx="0" cy="0"/>
+        </a:xfrm>
+      </p:grpSpPr>
+      <p:sp>
+        <p:nvSpPr>
+          <p:cNvPr id="2" name="Title 1">
+            <a:extLst>
+              <a:ext uri="{FF2B5EF4-FFF2-40B4-BE49-F238E27FC236}">
+                <a16:creationId xmlns:a16="http://schemas.microsoft.com/office/drawing/2014/main" id="{693E6919-C02F-46A1-8A89-DBD8A0DB790A}"/>
+              </a:ext>
+            </a:extLst>
+          </p:cNvPr>
+          <p:cNvSpPr>
+            <a:spLocks noGrp="1"/>
+          </p:cNvSpPr>
+          <p:nvPr>
+            <p:ph type="title"/>
+          </p:nvPr>
+        </p:nvSpPr>
+        <p:spPr/>
+        <p:txBody>
+          <a:bodyPr/>
+          <a:lstStyle/>
+          <a:p>
+            <a:r>
+              <a:rPr lang="zh-CN" altLang="en-US" dirty="0"/>
+              <a:t>测试执行截图</a:t>
+            </a:r>
+            <a:endParaRPr lang="en-US" dirty="0"/>
+          </a:p>
+        </p:txBody>
+      </p:sp>
+      <p:sp>
+        <p:nvSpPr>
+          <p:cNvPr id="3" name="Content Placeholder 2">
+            <a:extLst>
+              <a:ext uri="{FF2B5EF4-FFF2-40B4-BE49-F238E27FC236}">
+                <a16:creationId xmlns:a16="http://schemas.microsoft.com/office/drawing/2014/main" id="{1D92761B-955E-4892-98BD-B97CE7CCAEA6}"/>
+              </a:ext>
+            </a:extLst>
+          </p:cNvPr>
+          <p:cNvSpPr>
+            <a:spLocks noGrp="1"/>
+          </p:cNvSpPr>
+          <p:nvPr>
+            <p:ph idx="1"/>
+          </p:nvPr>
+        </p:nvSpPr>
+        <p:spPr/>
+        <p:txBody>
+          <a:bodyPr/>
+          <a:lstStyle/>
+          <a:p>
+            <a:endParaRPr lang="en-US"/>
+          </a:p>
+        </p:txBody>
+      </p:sp>
+    </p:spTree>
+    <p:extLst>
+      <p:ext uri="{BB962C8B-B14F-4D97-AF65-F5344CB8AC3E}">
         <p14:creationId xmlns:p14="http://schemas.microsoft.com/office/powerpoint/2010/main" val="2201283117"/>
       </p:ext>
     </p:extLst>
@@ -12499,7 +13575,7 @@
 </p:sld>
 </file>
 
-<file path=ppt/slides/slide22.xml><?xml version="1.0" encoding="utf-8"?>
+<file path=ppt/slides/slide24.xml><?xml version="1.0" encoding="utf-8"?>
 <p:sld xmlns:a="http://schemas.openxmlformats.org/drawingml/2006/main" xmlns:r="http://schemas.openxmlformats.org/officeDocument/2006/relationships" xmlns:p="http://schemas.openxmlformats.org/presentationml/2006/main">
   <p:cSld>
     <p:spTree>
@@ -12813,182 +13889,6 @@
 </p:sld>
 </file>
 
-<file path=ppt/slides/slide23.xml><?xml version="1.0" encoding="utf-8"?>
-<p:sld xmlns:a="http://schemas.openxmlformats.org/drawingml/2006/main" xmlns:r="http://schemas.openxmlformats.org/officeDocument/2006/relationships" xmlns:p="http://schemas.openxmlformats.org/presentationml/2006/main">
-  <p:cSld>
-    <p:spTree>
-      <p:nvGrpSpPr>
-        <p:cNvPr id="1" name=""/>
-        <p:cNvGrpSpPr/>
-        <p:nvPr/>
-      </p:nvGrpSpPr>
-      <p:grpSpPr>
-        <a:xfrm>
-          <a:off x="0" y="0"/>
-          <a:ext cx="0" cy="0"/>
-          <a:chOff x="0" y="0"/>
-          <a:chExt cx="0" cy="0"/>
-        </a:xfrm>
-      </p:grpSpPr>
-      <p:sp>
-        <p:nvSpPr>
-          <p:cNvPr id="2" name="Title 1">
-            <a:extLst>
-              <a:ext uri="{FF2B5EF4-FFF2-40B4-BE49-F238E27FC236}">
-                <a16:creationId xmlns:a16="http://schemas.microsoft.com/office/drawing/2014/main" id="{693E6919-C02F-46A1-8A89-DBD8A0DB790A}"/>
-              </a:ext>
-            </a:extLst>
-          </p:cNvPr>
-          <p:cNvSpPr>
-            <a:spLocks noGrp="1"/>
-          </p:cNvSpPr>
-          <p:nvPr>
-            <p:ph type="title"/>
-          </p:nvPr>
-        </p:nvSpPr>
-        <p:spPr/>
-        <p:txBody>
-          <a:bodyPr/>
-          <a:lstStyle/>
-          <a:p>
-            <a:r>
-              <a:rPr lang="zh-CN" altLang="en-US" dirty="0"/>
-              <a:t>创建数据库表截图</a:t>
-            </a:r>
-            <a:endParaRPr lang="en-US" dirty="0"/>
-          </a:p>
-        </p:txBody>
-      </p:sp>
-      <p:sp>
-        <p:nvSpPr>
-          <p:cNvPr id="3" name="Content Placeholder 2">
-            <a:extLst>
-              <a:ext uri="{FF2B5EF4-FFF2-40B4-BE49-F238E27FC236}">
-                <a16:creationId xmlns:a16="http://schemas.microsoft.com/office/drawing/2014/main" id="{1D92761B-955E-4892-98BD-B97CE7CCAEA6}"/>
-              </a:ext>
-            </a:extLst>
-          </p:cNvPr>
-          <p:cNvSpPr>
-            <a:spLocks noGrp="1"/>
-          </p:cNvSpPr>
-          <p:nvPr>
-            <p:ph idx="1"/>
-          </p:nvPr>
-        </p:nvSpPr>
-        <p:spPr/>
-        <p:txBody>
-          <a:bodyPr/>
-          <a:lstStyle/>
-          <a:p>
-            <a:endParaRPr lang="en-US"/>
-          </a:p>
-        </p:txBody>
-      </p:sp>
-    </p:spTree>
-    <p:extLst>
-      <p:ext uri="{BB962C8B-B14F-4D97-AF65-F5344CB8AC3E}">
-        <p14:creationId xmlns:p14="http://schemas.microsoft.com/office/powerpoint/2010/main" val="2424304777"/>
-      </p:ext>
-    </p:extLst>
-  </p:cSld>
-  <p:clrMapOvr>
-    <a:masterClrMapping/>
-  </p:clrMapOvr>
-</p:sld>
-</file>
-
-<file path=ppt/slides/slide24.xml><?xml version="1.0" encoding="utf-8"?>
-<p:sld xmlns:a="http://schemas.openxmlformats.org/drawingml/2006/main" xmlns:r="http://schemas.openxmlformats.org/officeDocument/2006/relationships" xmlns:p="http://schemas.openxmlformats.org/presentationml/2006/main">
-  <p:cSld>
-    <p:spTree>
-      <p:nvGrpSpPr>
-        <p:cNvPr id="1" name=""/>
-        <p:cNvGrpSpPr/>
-        <p:nvPr/>
-      </p:nvGrpSpPr>
-      <p:grpSpPr>
-        <a:xfrm>
-          <a:off x="0" y="0"/>
-          <a:ext cx="0" cy="0"/>
-          <a:chOff x="0" y="0"/>
-          <a:chExt cx="0" cy="0"/>
-        </a:xfrm>
-      </p:grpSpPr>
-      <p:sp>
-        <p:nvSpPr>
-          <p:cNvPr id="2" name="Title 1">
-            <a:extLst>
-              <a:ext uri="{FF2B5EF4-FFF2-40B4-BE49-F238E27FC236}">
-                <a16:creationId xmlns:a16="http://schemas.microsoft.com/office/drawing/2014/main" id="{693E6919-C02F-46A1-8A89-DBD8A0DB790A}"/>
-              </a:ext>
-            </a:extLst>
-          </p:cNvPr>
-          <p:cNvSpPr>
-            <a:spLocks noGrp="1"/>
-          </p:cNvSpPr>
-          <p:nvPr>
-            <p:ph type="title"/>
-          </p:nvPr>
-        </p:nvSpPr>
-        <p:spPr/>
-        <p:txBody>
-          <a:bodyPr/>
-          <a:lstStyle/>
-          <a:p>
-            <a:r>
-              <a:rPr lang="zh-CN" altLang="en-US" dirty="0"/>
-              <a:t>创建</a:t>
-            </a:r>
-            <a:r>
-              <a:rPr lang="en-US" altLang="zh-CN" dirty="0"/>
-              <a:t>module</a:t>
-            </a:r>
-            <a:r>
-              <a:rPr lang="zh-CN" altLang="en-US" dirty="0"/>
-              <a:t>功能截图</a:t>
-            </a:r>
-            <a:endParaRPr lang="en-US" dirty="0"/>
-          </a:p>
-        </p:txBody>
-      </p:sp>
-      <p:sp>
-        <p:nvSpPr>
-          <p:cNvPr id="3" name="Content Placeholder 2">
-            <a:extLst>
-              <a:ext uri="{FF2B5EF4-FFF2-40B4-BE49-F238E27FC236}">
-                <a16:creationId xmlns:a16="http://schemas.microsoft.com/office/drawing/2014/main" id="{1D92761B-955E-4892-98BD-B97CE7CCAEA6}"/>
-              </a:ext>
-            </a:extLst>
-          </p:cNvPr>
-          <p:cNvSpPr>
-            <a:spLocks noGrp="1"/>
-          </p:cNvSpPr>
-          <p:nvPr>
-            <p:ph idx="1"/>
-          </p:nvPr>
-        </p:nvSpPr>
-        <p:spPr/>
-        <p:txBody>
-          <a:bodyPr/>
-          <a:lstStyle/>
-          <a:p>
-            <a:endParaRPr lang="en-US"/>
-          </a:p>
-        </p:txBody>
-      </p:sp>
-    </p:spTree>
-    <p:extLst>
-      <p:ext uri="{BB962C8B-B14F-4D97-AF65-F5344CB8AC3E}">
-        <p14:creationId xmlns:p14="http://schemas.microsoft.com/office/powerpoint/2010/main" val="3861114065"/>
-      </p:ext>
-    </p:extLst>
-  </p:cSld>
-  <p:clrMapOvr>
-    <a:masterClrMapping/>
-  </p:clrMapOvr>
-</p:sld>
-</file>
-
 <file path=ppt/slides/slide25.xml><?xml version="1.0" encoding="utf-8"?>
 <p:sld xmlns:a="http://schemas.openxmlformats.org/drawingml/2006/main" xmlns:r="http://schemas.openxmlformats.org/officeDocument/2006/relationships" xmlns:p="http://schemas.openxmlformats.org/presentationml/2006/main">
   <p:cSld>
@@ -13028,12 +13928,8 @@
           <a:lstStyle/>
           <a:p>
             <a:r>
-              <a:rPr lang="en-US" altLang="zh-CN" dirty="0" err="1"/>
-              <a:t>generateConfig</a:t>
-            </a:r>
-            <a:r>
               <a:rPr lang="zh-CN" altLang="en-US" dirty="0"/>
-              <a:t>文件截图</a:t>
+              <a:t>创建数据库表截图</a:t>
             </a:r>
             <a:endParaRPr lang="en-US" dirty="0"/>
           </a:p>
@@ -13067,7 +13963,7 @@
     </p:spTree>
     <p:extLst>
       <p:ext uri="{BB962C8B-B14F-4D97-AF65-F5344CB8AC3E}">
-        <p14:creationId xmlns:p14="http://schemas.microsoft.com/office/powerpoint/2010/main" val="3169152205"/>
+        <p14:creationId xmlns:p14="http://schemas.microsoft.com/office/powerpoint/2010/main" val="2424304777"/>
       </p:ext>
     </p:extLst>
   </p:cSld>
@@ -13117,7 +14013,15 @@
           <a:p>
             <a:r>
               <a:rPr lang="zh-CN" altLang="en-US" dirty="0"/>
-              <a:t>自动生成文件后项目截图</a:t>
+              <a:t>创建</a:t>
+            </a:r>
+            <a:r>
+              <a:rPr lang="en-US" altLang="zh-CN" dirty="0"/>
+              <a:t>module</a:t>
+            </a:r>
+            <a:r>
+              <a:rPr lang="zh-CN" altLang="en-US" dirty="0"/>
+              <a:t>功能截图</a:t>
             </a:r>
             <a:endParaRPr lang="en-US" dirty="0"/>
           </a:p>
@@ -13151,7 +14055,7 @@
     </p:spTree>
     <p:extLst>
       <p:ext uri="{BB962C8B-B14F-4D97-AF65-F5344CB8AC3E}">
-        <p14:creationId xmlns:p14="http://schemas.microsoft.com/office/powerpoint/2010/main" val="1183100419"/>
+        <p14:creationId xmlns:p14="http://schemas.microsoft.com/office/powerpoint/2010/main" val="3861114065"/>
       </p:ext>
     </p:extLst>
   </p:cSld>
@@ -13200,24 +14104,12 @@
           <a:lstStyle/>
           <a:p>
             <a:r>
-              <a:rPr lang="zh-CN" altLang="en-US" dirty="0"/>
-              <a:t>主工程引用</a:t>
-            </a:r>
-            <a:r>
-              <a:rPr lang="en-US" altLang="zh-CN" dirty="0"/>
-              <a:t>module</a:t>
+              <a:rPr lang="en-US" altLang="zh-CN" dirty="0" err="1"/>
+              <a:t>generateConfig</a:t>
             </a:r>
             <a:r>
               <a:rPr lang="zh-CN" altLang="en-US" dirty="0"/>
-              <a:t>工程，</a:t>
-            </a:r>
-            <a:r>
-              <a:rPr lang="en-US" altLang="zh-CN" dirty="0" err="1"/>
-              <a:t>pom</a:t>
-            </a:r>
-            <a:r>
-              <a:rPr lang="zh-CN" altLang="en-US" dirty="0"/>
-              <a:t>依赖截图</a:t>
+              <a:t>文件截图</a:t>
             </a:r>
             <a:endParaRPr lang="en-US" dirty="0"/>
           </a:p>
@@ -13251,7 +14143,7 @@
     </p:spTree>
     <p:extLst>
       <p:ext uri="{BB962C8B-B14F-4D97-AF65-F5344CB8AC3E}">
-        <p14:creationId xmlns:p14="http://schemas.microsoft.com/office/powerpoint/2010/main" val="4168471633"/>
+        <p14:creationId xmlns:p14="http://schemas.microsoft.com/office/powerpoint/2010/main" val="3169152205"/>
       </p:ext>
     </p:extLst>
   </p:cSld>
@@ -13283,7 +14175,7 @@
           <p:cNvPr id="2" name="Title 1">
             <a:extLst>
               <a:ext uri="{FF2B5EF4-FFF2-40B4-BE49-F238E27FC236}">
-                <a16:creationId xmlns:a16="http://schemas.microsoft.com/office/drawing/2014/main" id="{170A3E9A-B5A0-4894-B8C1-D27EB011E12D}"/>
+                <a16:creationId xmlns:a16="http://schemas.microsoft.com/office/drawing/2014/main" id="{693E6919-C02F-46A1-8A89-DBD8A0DB790A}"/>
               </a:ext>
             </a:extLst>
           </p:cNvPr>
@@ -13301,26 +14193,7 @@
           <a:p>
             <a:r>
               <a:rPr lang="zh-CN" altLang="en-US" dirty="0"/>
-              <a:t>新建一个</a:t>
-            </a:r>
-            <a:r>
-              <a:rPr lang="en-US" altLang="zh-CN" dirty="0"/>
-              <a:t>CRUD</a:t>
-            </a:r>
-            <a:r>
-              <a:rPr lang="zh-CN" altLang="en-US" dirty="0"/>
-              <a:t>的</a:t>
-            </a:r>
-            <a:r>
-              <a:rPr lang="en-US" altLang="zh-CN" dirty="0"/>
-              <a:t>Controller</a:t>
-            </a:r>
-            <a:br>
-              <a:rPr lang="en-US" altLang="zh-CN" dirty="0"/>
-            </a:br>
-            <a:r>
-              <a:rPr lang="zh-CN" altLang="en-US" dirty="0"/>
-              <a:t>截图</a:t>
+              <a:t>自动生成文件后项目截图</a:t>
             </a:r>
             <a:endParaRPr lang="en-US" dirty="0"/>
           </a:p>
@@ -13331,7 +14204,7 @@
           <p:cNvPr id="3" name="Content Placeholder 2">
             <a:extLst>
               <a:ext uri="{FF2B5EF4-FFF2-40B4-BE49-F238E27FC236}">
-                <a16:creationId xmlns:a16="http://schemas.microsoft.com/office/drawing/2014/main" id="{AF50C30A-25ED-48E0-8C3C-5DCC34F0D27F}"/>
+                <a16:creationId xmlns:a16="http://schemas.microsoft.com/office/drawing/2014/main" id="{1D92761B-955E-4892-98BD-B97CE7CCAEA6}"/>
               </a:ext>
             </a:extLst>
           </p:cNvPr>
@@ -13354,7 +14227,7 @@
     </p:spTree>
     <p:extLst>
       <p:ext uri="{BB962C8B-B14F-4D97-AF65-F5344CB8AC3E}">
-        <p14:creationId xmlns:p14="http://schemas.microsoft.com/office/powerpoint/2010/main" val="3519666307"/>
+        <p14:creationId xmlns:p14="http://schemas.microsoft.com/office/powerpoint/2010/main" val="1183100419"/>
       </p:ext>
     </p:extLst>
   </p:cSld>
@@ -13386,7 +14259,7 @@
           <p:cNvPr id="2" name="Title 1">
             <a:extLst>
               <a:ext uri="{FF2B5EF4-FFF2-40B4-BE49-F238E27FC236}">
-                <a16:creationId xmlns:a16="http://schemas.microsoft.com/office/drawing/2014/main" id="{1DE92048-EFD7-401F-8324-F7FC65C12A6A}"/>
+                <a16:creationId xmlns:a16="http://schemas.microsoft.com/office/drawing/2014/main" id="{693E6919-C02F-46A1-8A89-DBD8A0DB790A}"/>
               </a:ext>
             </a:extLst>
           </p:cNvPr>
@@ -13404,7 +14277,23 @@
           <a:p>
             <a:r>
               <a:rPr lang="zh-CN" altLang="en-US" dirty="0"/>
-              <a:t>配置文件添加数据库配置截图</a:t>
+              <a:t>主工程引用</a:t>
+            </a:r>
+            <a:r>
+              <a:rPr lang="en-US" altLang="zh-CN" dirty="0"/>
+              <a:t>module</a:t>
+            </a:r>
+            <a:r>
+              <a:rPr lang="zh-CN" altLang="en-US" dirty="0"/>
+              <a:t>工程，</a:t>
+            </a:r>
+            <a:r>
+              <a:rPr lang="en-US" altLang="zh-CN" dirty="0" err="1"/>
+              <a:t>pom</a:t>
+            </a:r>
+            <a:r>
+              <a:rPr lang="zh-CN" altLang="en-US" dirty="0"/>
+              <a:t>依赖截图</a:t>
             </a:r>
             <a:endParaRPr lang="en-US" dirty="0"/>
           </a:p>
@@ -13415,7 +14304,7 @@
           <p:cNvPr id="3" name="Content Placeholder 2">
             <a:extLst>
               <a:ext uri="{FF2B5EF4-FFF2-40B4-BE49-F238E27FC236}">
-                <a16:creationId xmlns:a16="http://schemas.microsoft.com/office/drawing/2014/main" id="{67A92449-BC13-426C-9D13-9B11376139BC}"/>
+                <a16:creationId xmlns:a16="http://schemas.microsoft.com/office/drawing/2014/main" id="{1D92761B-955E-4892-98BD-B97CE7CCAEA6}"/>
               </a:ext>
             </a:extLst>
           </p:cNvPr>
@@ -13438,7 +14327,7 @@
     </p:spTree>
     <p:extLst>
       <p:ext uri="{BB962C8B-B14F-4D97-AF65-F5344CB8AC3E}">
-        <p14:creationId xmlns:p14="http://schemas.microsoft.com/office/powerpoint/2010/main" val="1856012653"/>
+        <p14:creationId xmlns:p14="http://schemas.microsoft.com/office/powerpoint/2010/main" val="4168471633"/>
       </p:ext>
     </p:extLst>
   </p:cSld>
@@ -16261,6 +17150,193 @@
           <p:cNvPr id="2" name="Title 1">
             <a:extLst>
               <a:ext uri="{FF2B5EF4-FFF2-40B4-BE49-F238E27FC236}">
+                <a16:creationId xmlns:a16="http://schemas.microsoft.com/office/drawing/2014/main" id="{170A3E9A-B5A0-4894-B8C1-D27EB011E12D}"/>
+              </a:ext>
+            </a:extLst>
+          </p:cNvPr>
+          <p:cNvSpPr>
+            <a:spLocks noGrp="1"/>
+          </p:cNvSpPr>
+          <p:nvPr>
+            <p:ph type="title"/>
+          </p:nvPr>
+        </p:nvSpPr>
+        <p:spPr/>
+        <p:txBody>
+          <a:bodyPr/>
+          <a:lstStyle/>
+          <a:p>
+            <a:r>
+              <a:rPr lang="zh-CN" altLang="en-US" dirty="0"/>
+              <a:t>新建一个</a:t>
+            </a:r>
+            <a:r>
+              <a:rPr lang="en-US" altLang="zh-CN" dirty="0"/>
+              <a:t>CRUD</a:t>
+            </a:r>
+            <a:r>
+              <a:rPr lang="zh-CN" altLang="en-US" dirty="0"/>
+              <a:t>的</a:t>
+            </a:r>
+            <a:r>
+              <a:rPr lang="en-US" altLang="zh-CN" dirty="0"/>
+              <a:t>Controller</a:t>
+            </a:r>
+            <a:br>
+              <a:rPr lang="en-US" altLang="zh-CN" dirty="0"/>
+            </a:br>
+            <a:r>
+              <a:rPr lang="zh-CN" altLang="en-US" dirty="0"/>
+              <a:t>截图</a:t>
+            </a:r>
+            <a:endParaRPr lang="en-US" dirty="0"/>
+          </a:p>
+        </p:txBody>
+      </p:sp>
+      <p:sp>
+        <p:nvSpPr>
+          <p:cNvPr id="3" name="Content Placeholder 2">
+            <a:extLst>
+              <a:ext uri="{FF2B5EF4-FFF2-40B4-BE49-F238E27FC236}">
+                <a16:creationId xmlns:a16="http://schemas.microsoft.com/office/drawing/2014/main" id="{AF50C30A-25ED-48E0-8C3C-5DCC34F0D27F}"/>
+              </a:ext>
+            </a:extLst>
+          </p:cNvPr>
+          <p:cNvSpPr>
+            <a:spLocks noGrp="1"/>
+          </p:cNvSpPr>
+          <p:nvPr>
+            <p:ph idx="1"/>
+          </p:nvPr>
+        </p:nvSpPr>
+        <p:spPr/>
+        <p:txBody>
+          <a:bodyPr/>
+          <a:lstStyle/>
+          <a:p>
+            <a:endParaRPr lang="en-US"/>
+          </a:p>
+        </p:txBody>
+      </p:sp>
+    </p:spTree>
+    <p:extLst>
+      <p:ext uri="{BB962C8B-B14F-4D97-AF65-F5344CB8AC3E}">
+        <p14:creationId xmlns:p14="http://schemas.microsoft.com/office/powerpoint/2010/main" val="3519666307"/>
+      </p:ext>
+    </p:extLst>
+  </p:cSld>
+  <p:clrMapOvr>
+    <a:masterClrMapping/>
+  </p:clrMapOvr>
+</p:sld>
+</file>
+
+<file path=ppt/slides/slide31.xml><?xml version="1.0" encoding="utf-8"?>
+<p:sld xmlns:a="http://schemas.openxmlformats.org/drawingml/2006/main" xmlns:r="http://schemas.openxmlformats.org/officeDocument/2006/relationships" xmlns:p="http://schemas.openxmlformats.org/presentationml/2006/main">
+  <p:cSld>
+    <p:spTree>
+      <p:nvGrpSpPr>
+        <p:cNvPr id="1" name=""/>
+        <p:cNvGrpSpPr/>
+        <p:nvPr/>
+      </p:nvGrpSpPr>
+      <p:grpSpPr>
+        <a:xfrm>
+          <a:off x="0" y="0"/>
+          <a:ext cx="0" cy="0"/>
+          <a:chOff x="0" y="0"/>
+          <a:chExt cx="0" cy="0"/>
+        </a:xfrm>
+      </p:grpSpPr>
+      <p:sp>
+        <p:nvSpPr>
+          <p:cNvPr id="2" name="Title 1">
+            <a:extLst>
+              <a:ext uri="{FF2B5EF4-FFF2-40B4-BE49-F238E27FC236}">
+                <a16:creationId xmlns:a16="http://schemas.microsoft.com/office/drawing/2014/main" id="{1DE92048-EFD7-401F-8324-F7FC65C12A6A}"/>
+              </a:ext>
+            </a:extLst>
+          </p:cNvPr>
+          <p:cNvSpPr>
+            <a:spLocks noGrp="1"/>
+          </p:cNvSpPr>
+          <p:nvPr>
+            <p:ph type="title"/>
+          </p:nvPr>
+        </p:nvSpPr>
+        <p:spPr/>
+        <p:txBody>
+          <a:bodyPr/>
+          <a:lstStyle/>
+          <a:p>
+            <a:r>
+              <a:rPr lang="zh-CN" altLang="en-US" dirty="0"/>
+              <a:t>配置文件添加数据库配置截图</a:t>
+            </a:r>
+            <a:endParaRPr lang="en-US" dirty="0"/>
+          </a:p>
+        </p:txBody>
+      </p:sp>
+      <p:sp>
+        <p:nvSpPr>
+          <p:cNvPr id="3" name="Content Placeholder 2">
+            <a:extLst>
+              <a:ext uri="{FF2B5EF4-FFF2-40B4-BE49-F238E27FC236}">
+                <a16:creationId xmlns:a16="http://schemas.microsoft.com/office/drawing/2014/main" id="{67A92449-BC13-426C-9D13-9B11376139BC}"/>
+              </a:ext>
+            </a:extLst>
+          </p:cNvPr>
+          <p:cNvSpPr>
+            <a:spLocks noGrp="1"/>
+          </p:cNvSpPr>
+          <p:nvPr>
+            <p:ph idx="1"/>
+          </p:nvPr>
+        </p:nvSpPr>
+        <p:spPr/>
+        <p:txBody>
+          <a:bodyPr/>
+          <a:lstStyle/>
+          <a:p>
+            <a:endParaRPr lang="en-US"/>
+          </a:p>
+        </p:txBody>
+      </p:sp>
+    </p:spTree>
+    <p:extLst>
+      <p:ext uri="{BB962C8B-B14F-4D97-AF65-F5344CB8AC3E}">
+        <p14:creationId xmlns:p14="http://schemas.microsoft.com/office/powerpoint/2010/main" val="1856012653"/>
+      </p:ext>
+    </p:extLst>
+  </p:cSld>
+  <p:clrMapOvr>
+    <a:masterClrMapping/>
+  </p:clrMapOvr>
+</p:sld>
+</file>
+
+<file path=ppt/slides/slide32.xml><?xml version="1.0" encoding="utf-8"?>
+<p:sld xmlns:a="http://schemas.openxmlformats.org/drawingml/2006/main" xmlns:r="http://schemas.openxmlformats.org/officeDocument/2006/relationships" xmlns:p="http://schemas.openxmlformats.org/presentationml/2006/main">
+  <p:cSld>
+    <p:spTree>
+      <p:nvGrpSpPr>
+        <p:cNvPr id="1" name=""/>
+        <p:cNvGrpSpPr/>
+        <p:nvPr/>
+      </p:nvGrpSpPr>
+      <p:grpSpPr>
+        <a:xfrm>
+          <a:off x="0" y="0"/>
+          <a:ext cx="0" cy="0"/>
+          <a:chOff x="0" y="0"/>
+          <a:chExt cx="0" cy="0"/>
+        </a:xfrm>
+      </p:grpSpPr>
+      <p:sp>
+        <p:nvSpPr>
+          <p:cNvPr id="2" name="Title 1">
+            <a:extLst>
+              <a:ext uri="{FF2B5EF4-FFF2-40B4-BE49-F238E27FC236}">
                 <a16:creationId xmlns:a16="http://schemas.microsoft.com/office/drawing/2014/main" id="{693E6919-C02F-46A1-8A89-DBD8A0DB790A}"/>
               </a:ext>
             </a:extLst>
@@ -16323,7 +17399,7 @@
 </p:sld>
 </file>
 
-<file path=ppt/slides/slide31.xml><?xml version="1.0" encoding="utf-8"?>
+<file path=ppt/slides/slide33.xml><?xml version="1.0" encoding="utf-8"?>
 <p:sld xmlns:a="http://schemas.openxmlformats.org/drawingml/2006/main" xmlns:r="http://schemas.openxmlformats.org/officeDocument/2006/relationships" xmlns:p="http://schemas.openxmlformats.org/presentationml/2006/main">
   <p:cSld>
     <p:spTree>
